--- a/DsDotNet/src/UnitTest/UnitTest.Model/ImportOfficeExample/ppt/T7_CopySystem.pptx
+++ b/DsDotNet/src/UnitTest/UnitTest.Model/ImportOfficeExample/ppt/T7_CopySystem.pptx
@@ -217,7 +217,7 @@
           <a:p>
             <a:fld id="{DD503887-5801-43A0-AEF9-041E8DDC2558}" type="datetimeFigureOut">
               <a:rPr lang="ko-KR" altLang="en-US" smtClean="0"/>
-              <a:t>2023-01-23</a:t>
+              <a:t>2023-09-04</a:t>
             </a:fld>
             <a:endParaRPr lang="ko-KR" altLang="en-US"/>
           </a:p>
@@ -394,7 +394,7 @@
           <a:p>
             <a:fld id="{95336A0E-57B1-4D4C-BD9B-2F72B5943464}" type="datetimeFigureOut">
               <a:rPr lang="ko-KR" altLang="en-US" smtClean="0"/>
-              <a:t>2023-01-23</a:t>
+              <a:t>2023-09-04</a:t>
             </a:fld>
             <a:endParaRPr lang="ko-KR" altLang="en-US"/>
           </a:p>
@@ -756,7 +756,7 @@
           <a:effectLst/>
           <a:extLst>
             <a:ext uri="{91240B29-F687-4f45-9708-019B960494DF}">
-              <a14:hiddenLine xmlns:a14="http://schemas.microsoft.com/office/drawing/2010/main" xmlns="" w="9525">
+              <a14:hiddenLine xmlns="" xmlns:a14="http://schemas.microsoft.com/office/drawing/2010/main" w="9525">
                 <a:solidFill>
                   <a:srgbClr val="000000"/>
                 </a:solidFill>
@@ -948,7 +948,7 @@
           <a:p>
             <a:fld id="{DEA6EBF0-8E22-42A7-9BEA-2AC7066E6498}" type="datetimeFigureOut">
               <a:rPr lang="ko-KR" altLang="en-US" smtClean="0"/>
-              <a:t>2023-01-23</a:t>
+              <a:t>2023-09-04</a:t>
             </a:fld>
             <a:endParaRPr lang="ko-KR" altLang="en-US"/>
           </a:p>
@@ -1266,7 +1266,7 @@
           <a:p>
             <a:fld id="{DEA6EBF0-8E22-42A7-9BEA-2AC7066E6498}" type="datetimeFigureOut">
               <a:rPr lang="ko-KR" altLang="en-US" smtClean="0"/>
-              <a:t>2023-01-23</a:t>
+              <a:t>2023-09-04</a:t>
             </a:fld>
             <a:endParaRPr lang="ko-KR" altLang="en-US"/>
           </a:p>
@@ -1754,7 +1754,7 @@
           <a:p>
             <a:fld id="{DEA6EBF0-8E22-42A7-9BEA-2AC7066E6498}" type="datetimeFigureOut">
               <a:rPr lang="ko-KR" altLang="en-US" smtClean="0"/>
-              <a:t>2023-01-23</a:t>
+              <a:t>2023-09-04</a:t>
             </a:fld>
             <a:endParaRPr lang="ko-KR" altLang="en-US"/>
           </a:p>
@@ -2123,7 +2123,7 @@
           <a:p>
             <a:fld id="{DEA6EBF0-8E22-42A7-9BEA-2AC7066E6498}" type="datetimeFigureOut">
               <a:rPr lang="ko-KR" altLang="en-US" smtClean="0"/>
-              <a:t>2023-01-23</a:t>
+              <a:t>2023-09-04</a:t>
             </a:fld>
             <a:endParaRPr lang="ko-KR" altLang="en-US"/>
           </a:p>
@@ -2278,7 +2278,7 @@
           <a:ln/>
           <a:extLst>
             <a:ext uri="{91240B29-F687-4f45-9708-019B960494DF}">
-              <a14:hiddenLine xmlns:a14="http://schemas.microsoft.com/office/drawing/2010/main" xmlns="" w="9525">
+              <a14:hiddenLine xmlns="" xmlns:a14="http://schemas.microsoft.com/office/drawing/2010/main" w="9525">
                 <a:solidFill>
                   <a:srgbClr val="000000"/>
                 </a:solidFill>
@@ -2396,7 +2396,7 @@
           <a:p>
             <a:fld id="{DEA6EBF0-8E22-42A7-9BEA-2AC7066E6498}" type="datetimeFigureOut">
               <a:rPr lang="ko-KR" altLang="en-US" smtClean="0"/>
-              <a:t>2023-01-23</a:t>
+              <a:t>2023-09-04</a:t>
             </a:fld>
             <a:endParaRPr lang="ko-KR" altLang="en-US"/>
           </a:p>
@@ -2553,7 +2553,7 @@
           <a:ln/>
           <a:extLst>
             <a:ext uri="{91240B29-F687-4f45-9708-019B960494DF}">
-              <a14:hiddenLine xmlns:a14="http://schemas.microsoft.com/office/drawing/2010/main" xmlns="" w="9525">
+              <a14:hiddenLine xmlns="" xmlns:a14="http://schemas.microsoft.com/office/drawing/2010/main" w="9525">
                 <a:solidFill>
                   <a:srgbClr val="000000"/>
                 </a:solidFill>
@@ -2681,7 +2681,7 @@
           <a:p>
             <a:fld id="{DEA6EBF0-8E22-42A7-9BEA-2AC7066E6498}" type="datetimeFigureOut">
               <a:rPr lang="ko-KR" altLang="en-US" smtClean="0"/>
-              <a:t>2023-01-23</a:t>
+              <a:t>2023-09-04</a:t>
             </a:fld>
             <a:endParaRPr lang="ko-KR" altLang="en-US"/>
           </a:p>
@@ -2799,7 +2799,7 @@
           <a:p>
             <a:fld id="{DEA6EBF0-8E22-42A7-9BEA-2AC7066E6498}" type="datetimeFigureOut">
               <a:rPr lang="ko-KR" altLang="en-US" smtClean="0"/>
-              <a:t>2023-01-23</a:t>
+              <a:t>2023-09-04</a:t>
             </a:fld>
             <a:endParaRPr lang="ko-KR" altLang="en-US"/>
           </a:p>
@@ -2954,7 +2954,7 @@
           <a:ln/>
           <a:extLst>
             <a:ext uri="{91240B29-F687-4f45-9708-019B960494DF}">
-              <a14:hiddenLine xmlns:a14="http://schemas.microsoft.com/office/drawing/2010/main" xmlns="" w="9525">
+              <a14:hiddenLine xmlns="" xmlns:a14="http://schemas.microsoft.com/office/drawing/2010/main" w="9525">
                 <a:solidFill>
                   <a:srgbClr val="000000"/>
                 </a:solidFill>
@@ -3082,7 +3082,7 @@
           <a:p>
             <a:fld id="{DEA6EBF0-8E22-42A7-9BEA-2AC7066E6498}" type="datetimeFigureOut">
               <a:rPr lang="ko-KR" altLang="en-US" smtClean="0"/>
-              <a:t>2023-01-23</a:t>
+              <a:t>2023-09-04</a:t>
             </a:fld>
             <a:endParaRPr lang="ko-KR" altLang="en-US"/>
           </a:p>
@@ -3425,7 +3425,7 @@
           <a:p>
             <a:fld id="{DEA6EBF0-8E22-42A7-9BEA-2AC7066E6498}" type="datetimeFigureOut">
               <a:rPr lang="ko-KR" altLang="en-US" smtClean="0"/>
-              <a:t>2023-01-23</a:t>
+              <a:t>2023-09-04</a:t>
             </a:fld>
             <a:endParaRPr lang="ko-KR" altLang="en-US"/>
           </a:p>
@@ -3580,7 +3580,7 @@
           <a:ln/>
           <a:extLst>
             <a:ext uri="{91240B29-F687-4f45-9708-019B960494DF}">
-              <a14:hiddenLine xmlns:a14="http://schemas.microsoft.com/office/drawing/2010/main" xmlns="" w="9525">
+              <a14:hiddenLine xmlns="" xmlns:a14="http://schemas.microsoft.com/office/drawing/2010/main" w="9525">
                 <a:solidFill>
                   <a:srgbClr val="000000"/>
                 </a:solidFill>
@@ -3764,7 +3764,7 @@
           <a:p>
             <a:fld id="{DEA6EBF0-8E22-42A7-9BEA-2AC7066E6498}" type="datetimeFigureOut">
               <a:rPr lang="ko-KR" altLang="en-US" smtClean="0"/>
-              <a:t>2023-01-23</a:t>
+              <a:t>2023-09-04</a:t>
             </a:fld>
             <a:endParaRPr lang="ko-KR" altLang="en-US"/>
           </a:p>
@@ -3919,7 +3919,7 @@
           <a:ln/>
           <a:extLst>
             <a:ext uri="{91240B29-F687-4f45-9708-019B960494DF}">
-              <a14:hiddenLine xmlns:a14="http://schemas.microsoft.com/office/drawing/2010/main" xmlns="" w="9525">
+              <a14:hiddenLine xmlns="" xmlns:a14="http://schemas.microsoft.com/office/drawing/2010/main" w="9525">
                 <a:solidFill>
                   <a:srgbClr val="000000"/>
                 </a:solidFill>
@@ -4241,7 +4241,7 @@
           <a:p>
             <a:fld id="{DEA6EBF0-8E22-42A7-9BEA-2AC7066E6498}" type="datetimeFigureOut">
               <a:rPr lang="ko-KR" altLang="en-US" smtClean="0"/>
-              <a:t>2023-01-23</a:t>
+              <a:t>2023-09-04</a:t>
             </a:fld>
             <a:endParaRPr lang="ko-KR" altLang="en-US"/>
           </a:p>
@@ -4336,7 +4336,7 @@
           <a:p>
             <a:fld id="{DEA6EBF0-8E22-42A7-9BEA-2AC7066E6498}" type="datetimeFigureOut">
               <a:rPr lang="ko-KR" altLang="en-US" smtClean="0"/>
-              <a:t>2023-01-23</a:t>
+              <a:t>2023-09-04</a:t>
             </a:fld>
             <a:endParaRPr lang="ko-KR" altLang="en-US"/>
           </a:p>
@@ -4604,7 +4604,7 @@
           <a:ln/>
           <a:extLst>
             <a:ext uri="{91240B29-F687-4f45-9708-019B960494DF}">
-              <a14:hiddenLine xmlns:a14="http://schemas.microsoft.com/office/drawing/2010/main" xmlns="" w="9525">
+              <a14:hiddenLine xmlns="" xmlns:a14="http://schemas.microsoft.com/office/drawing/2010/main" w="9525">
                 <a:solidFill>
                   <a:srgbClr val="000000"/>
                 </a:solidFill>
@@ -4803,7 +4803,7 @@
           <a:p>
             <a:fld id="{DEA6EBF0-8E22-42A7-9BEA-2AC7066E6498}" type="datetimeFigureOut">
               <a:rPr lang="ko-KR" altLang="en-US" smtClean="0"/>
-              <a:t>2023-01-23</a:t>
+              <a:t>2023-09-04</a:t>
             </a:fld>
             <a:endParaRPr lang="ko-KR" altLang="en-US"/>
           </a:p>
@@ -5116,7 +5116,7 @@
           <a:p>
             <a:fld id="{DEA6EBF0-8E22-42A7-9BEA-2AC7066E6498}" type="datetimeFigureOut">
               <a:rPr lang="ko-KR" altLang="en-US" smtClean="0"/>
-              <a:t>2023-01-23</a:t>
+              <a:t>2023-09-04</a:t>
             </a:fld>
             <a:endParaRPr lang="ko-KR" altLang="en-US"/>
           </a:p>
@@ -5386,7 +5386,7 @@
           <a:p>
             <a:fld id="{DEA6EBF0-8E22-42A7-9BEA-2AC7066E6498}" type="datetimeFigureOut">
               <a:rPr lang="ko-KR" altLang="en-US" smtClean="0"/>
-              <a:t>2023-01-23</a:t>
+              <a:t>2023-09-04</a:t>
             </a:fld>
             <a:endParaRPr lang="ko-KR" altLang="en-US"/>
           </a:p>
@@ -6396,7 +6396,7 @@
             <a:pPr algn="ctr"/>
             <a:r>
               <a:rPr lang="en-US" altLang="ko-KR" dirty="0"/>
-              <a:t>../sample/Lib/tester</a:t>
+              <a:t>Lib/tester</a:t>
             </a:r>
           </a:p>
           <a:p>
@@ -6957,7 +6957,7 @@
             <a:pPr algn="ctr"/>
             <a:r>
               <a:rPr lang="en-US" altLang="ko-KR" dirty="0"/>
-              <a:t>../sample/Lib/tester</a:t>
+              <a:t>Lib/tester</a:t>
             </a:r>
           </a:p>
           <a:p>

--- a/DsDotNet/src/UnitTest/UnitTest.Model/ImportOfficeExample/ppt/T7_CopySystem.pptx
+++ b/DsDotNet/src/UnitTest/UnitTest.Model/ImportOfficeExample/ppt/T7_CopySystem.pptx
@@ -217,7 +217,7 @@
           <a:p>
             <a:fld id="{DD503887-5801-43A0-AEF9-041E8DDC2558}" type="datetimeFigureOut">
               <a:rPr lang="ko-KR" altLang="en-US" smtClean="0"/>
-              <a:t>2023-09-04</a:t>
+              <a:t>2023-11-05</a:t>
             </a:fld>
             <a:endParaRPr lang="ko-KR" altLang="en-US"/>
           </a:p>
@@ -394,7 +394,7 @@
           <a:p>
             <a:fld id="{95336A0E-57B1-4D4C-BD9B-2F72B5943464}" type="datetimeFigureOut">
               <a:rPr lang="ko-KR" altLang="en-US" smtClean="0"/>
-              <a:t>2023-09-04</a:t>
+              <a:t>2023-11-05</a:t>
             </a:fld>
             <a:endParaRPr lang="ko-KR" altLang="en-US"/>
           </a:p>
@@ -756,7 +756,7 @@
           <a:effectLst/>
           <a:extLst>
             <a:ext uri="{91240B29-F687-4f45-9708-019B960494DF}">
-              <a14:hiddenLine xmlns="" xmlns:a14="http://schemas.microsoft.com/office/drawing/2010/main" w="9525">
+              <a14:hiddenLine xmlns:a14="http://schemas.microsoft.com/office/drawing/2010/main" xmlns="" w="9525">
                 <a:solidFill>
                   <a:srgbClr val="000000"/>
                 </a:solidFill>
@@ -948,7 +948,7 @@
           <a:p>
             <a:fld id="{DEA6EBF0-8E22-42A7-9BEA-2AC7066E6498}" type="datetimeFigureOut">
               <a:rPr lang="ko-KR" altLang="en-US" smtClean="0"/>
-              <a:t>2023-09-04</a:t>
+              <a:t>2023-11-05</a:t>
             </a:fld>
             <a:endParaRPr lang="ko-KR" altLang="en-US"/>
           </a:p>
@@ -1266,7 +1266,7 @@
           <a:p>
             <a:fld id="{DEA6EBF0-8E22-42A7-9BEA-2AC7066E6498}" type="datetimeFigureOut">
               <a:rPr lang="ko-KR" altLang="en-US" smtClean="0"/>
-              <a:t>2023-09-04</a:t>
+              <a:t>2023-11-05</a:t>
             </a:fld>
             <a:endParaRPr lang="ko-KR" altLang="en-US"/>
           </a:p>
@@ -1754,7 +1754,7 @@
           <a:p>
             <a:fld id="{DEA6EBF0-8E22-42A7-9BEA-2AC7066E6498}" type="datetimeFigureOut">
               <a:rPr lang="ko-KR" altLang="en-US" smtClean="0"/>
-              <a:t>2023-09-04</a:t>
+              <a:t>2023-11-05</a:t>
             </a:fld>
             <a:endParaRPr lang="ko-KR" altLang="en-US"/>
           </a:p>
@@ -2123,7 +2123,7 @@
           <a:p>
             <a:fld id="{DEA6EBF0-8E22-42A7-9BEA-2AC7066E6498}" type="datetimeFigureOut">
               <a:rPr lang="ko-KR" altLang="en-US" smtClean="0"/>
-              <a:t>2023-09-04</a:t>
+              <a:t>2023-11-05</a:t>
             </a:fld>
             <a:endParaRPr lang="ko-KR" altLang="en-US"/>
           </a:p>
@@ -2278,7 +2278,7 @@
           <a:ln/>
           <a:extLst>
             <a:ext uri="{91240B29-F687-4f45-9708-019B960494DF}">
-              <a14:hiddenLine xmlns="" xmlns:a14="http://schemas.microsoft.com/office/drawing/2010/main" w="9525">
+              <a14:hiddenLine xmlns:a14="http://schemas.microsoft.com/office/drawing/2010/main" xmlns="" w="9525">
                 <a:solidFill>
                   <a:srgbClr val="000000"/>
                 </a:solidFill>
@@ -2396,7 +2396,7 @@
           <a:p>
             <a:fld id="{DEA6EBF0-8E22-42A7-9BEA-2AC7066E6498}" type="datetimeFigureOut">
               <a:rPr lang="ko-KR" altLang="en-US" smtClean="0"/>
-              <a:t>2023-09-04</a:t>
+              <a:t>2023-11-05</a:t>
             </a:fld>
             <a:endParaRPr lang="ko-KR" altLang="en-US"/>
           </a:p>
@@ -2553,7 +2553,7 @@
           <a:ln/>
           <a:extLst>
             <a:ext uri="{91240B29-F687-4f45-9708-019B960494DF}">
-              <a14:hiddenLine xmlns="" xmlns:a14="http://schemas.microsoft.com/office/drawing/2010/main" w="9525">
+              <a14:hiddenLine xmlns:a14="http://schemas.microsoft.com/office/drawing/2010/main" xmlns="" w="9525">
                 <a:solidFill>
                   <a:srgbClr val="000000"/>
                 </a:solidFill>
@@ -2681,7 +2681,7 @@
           <a:p>
             <a:fld id="{DEA6EBF0-8E22-42A7-9BEA-2AC7066E6498}" type="datetimeFigureOut">
               <a:rPr lang="ko-KR" altLang="en-US" smtClean="0"/>
-              <a:t>2023-09-04</a:t>
+              <a:t>2023-11-05</a:t>
             </a:fld>
             <a:endParaRPr lang="ko-KR" altLang="en-US"/>
           </a:p>
@@ -2799,7 +2799,7 @@
           <a:p>
             <a:fld id="{DEA6EBF0-8E22-42A7-9BEA-2AC7066E6498}" type="datetimeFigureOut">
               <a:rPr lang="ko-KR" altLang="en-US" smtClean="0"/>
-              <a:t>2023-09-04</a:t>
+              <a:t>2023-11-05</a:t>
             </a:fld>
             <a:endParaRPr lang="ko-KR" altLang="en-US"/>
           </a:p>
@@ -2954,7 +2954,7 @@
           <a:ln/>
           <a:extLst>
             <a:ext uri="{91240B29-F687-4f45-9708-019B960494DF}">
-              <a14:hiddenLine xmlns="" xmlns:a14="http://schemas.microsoft.com/office/drawing/2010/main" w="9525">
+              <a14:hiddenLine xmlns:a14="http://schemas.microsoft.com/office/drawing/2010/main" xmlns="" w="9525">
                 <a:solidFill>
                   <a:srgbClr val="000000"/>
                 </a:solidFill>
@@ -3082,7 +3082,7 @@
           <a:p>
             <a:fld id="{DEA6EBF0-8E22-42A7-9BEA-2AC7066E6498}" type="datetimeFigureOut">
               <a:rPr lang="ko-KR" altLang="en-US" smtClean="0"/>
-              <a:t>2023-09-04</a:t>
+              <a:t>2023-11-05</a:t>
             </a:fld>
             <a:endParaRPr lang="ko-KR" altLang="en-US"/>
           </a:p>
@@ -3425,7 +3425,7 @@
           <a:p>
             <a:fld id="{DEA6EBF0-8E22-42A7-9BEA-2AC7066E6498}" type="datetimeFigureOut">
               <a:rPr lang="ko-KR" altLang="en-US" smtClean="0"/>
-              <a:t>2023-09-04</a:t>
+              <a:t>2023-11-05</a:t>
             </a:fld>
             <a:endParaRPr lang="ko-KR" altLang="en-US"/>
           </a:p>
@@ -3580,7 +3580,7 @@
           <a:ln/>
           <a:extLst>
             <a:ext uri="{91240B29-F687-4f45-9708-019B960494DF}">
-              <a14:hiddenLine xmlns="" xmlns:a14="http://schemas.microsoft.com/office/drawing/2010/main" w="9525">
+              <a14:hiddenLine xmlns:a14="http://schemas.microsoft.com/office/drawing/2010/main" xmlns="" w="9525">
                 <a:solidFill>
                   <a:srgbClr val="000000"/>
                 </a:solidFill>
@@ -3764,7 +3764,7 @@
           <a:p>
             <a:fld id="{DEA6EBF0-8E22-42A7-9BEA-2AC7066E6498}" type="datetimeFigureOut">
               <a:rPr lang="ko-KR" altLang="en-US" smtClean="0"/>
-              <a:t>2023-09-04</a:t>
+              <a:t>2023-11-05</a:t>
             </a:fld>
             <a:endParaRPr lang="ko-KR" altLang="en-US"/>
           </a:p>
@@ -3919,7 +3919,7 @@
           <a:ln/>
           <a:extLst>
             <a:ext uri="{91240B29-F687-4f45-9708-019B960494DF}">
-              <a14:hiddenLine xmlns="" xmlns:a14="http://schemas.microsoft.com/office/drawing/2010/main" w="9525">
+              <a14:hiddenLine xmlns:a14="http://schemas.microsoft.com/office/drawing/2010/main" xmlns="" w="9525">
                 <a:solidFill>
                   <a:srgbClr val="000000"/>
                 </a:solidFill>
@@ -4241,7 +4241,7 @@
           <a:p>
             <a:fld id="{DEA6EBF0-8E22-42A7-9BEA-2AC7066E6498}" type="datetimeFigureOut">
               <a:rPr lang="ko-KR" altLang="en-US" smtClean="0"/>
-              <a:t>2023-09-04</a:t>
+              <a:t>2023-11-05</a:t>
             </a:fld>
             <a:endParaRPr lang="ko-KR" altLang="en-US"/>
           </a:p>
@@ -4336,7 +4336,7 @@
           <a:p>
             <a:fld id="{DEA6EBF0-8E22-42A7-9BEA-2AC7066E6498}" type="datetimeFigureOut">
               <a:rPr lang="ko-KR" altLang="en-US" smtClean="0"/>
-              <a:t>2023-09-04</a:t>
+              <a:t>2023-11-05</a:t>
             </a:fld>
             <a:endParaRPr lang="ko-KR" altLang="en-US"/>
           </a:p>
@@ -4604,7 +4604,7 @@
           <a:ln/>
           <a:extLst>
             <a:ext uri="{91240B29-F687-4f45-9708-019B960494DF}">
-              <a14:hiddenLine xmlns="" xmlns:a14="http://schemas.microsoft.com/office/drawing/2010/main" w="9525">
+              <a14:hiddenLine xmlns:a14="http://schemas.microsoft.com/office/drawing/2010/main" xmlns="" w="9525">
                 <a:solidFill>
                   <a:srgbClr val="000000"/>
                 </a:solidFill>
@@ -4803,7 +4803,7 @@
           <a:p>
             <a:fld id="{DEA6EBF0-8E22-42A7-9BEA-2AC7066E6498}" type="datetimeFigureOut">
               <a:rPr lang="ko-KR" altLang="en-US" smtClean="0"/>
-              <a:t>2023-09-04</a:t>
+              <a:t>2023-11-05</a:t>
             </a:fld>
             <a:endParaRPr lang="ko-KR" altLang="en-US"/>
           </a:p>
@@ -5116,7 +5116,7 @@
           <a:p>
             <a:fld id="{DEA6EBF0-8E22-42A7-9BEA-2AC7066E6498}" type="datetimeFigureOut">
               <a:rPr lang="ko-KR" altLang="en-US" smtClean="0"/>
-              <a:t>2023-09-04</a:t>
+              <a:t>2023-11-05</a:t>
             </a:fld>
             <a:endParaRPr lang="ko-KR" altLang="en-US"/>
           </a:p>
@@ -5386,7 +5386,7 @@
           <a:p>
             <a:fld id="{DEA6EBF0-8E22-42A7-9BEA-2AC7066E6498}" type="datetimeFigureOut">
               <a:rPr lang="ko-KR" altLang="en-US" smtClean="0"/>
-              <a:t>2023-09-04</a:t>
+              <a:t>2023-11-05</a:t>
             </a:fld>
             <a:endParaRPr lang="ko-KR" altLang="en-US"/>
           </a:p>
@@ -6240,7 +6240,7 @@
                 <a:pPr algn="ctr"/>
                 <a:r>
                   <a:rPr lang="en-US" altLang="ko-KR" dirty="0"/>
-                  <a:t>Copy1 $Func1</a:t>
+                  <a:t>Copy1 .Func1</a:t>
                 </a:r>
                 <a:endParaRPr lang="ko-KR" altLang="en-US" dirty="0"/>
               </a:p>
@@ -6296,7 +6296,7 @@
                 <a:pPr algn="ctr"/>
                 <a:r>
                   <a:rPr lang="en-US" altLang="ko-KR" dirty="0"/>
-                  <a:t>Copy2 $Func2</a:t>
+                  <a:t>Copy2 .Func2</a:t>
                 </a:r>
                 <a:endParaRPr lang="ko-KR" altLang="en-US" dirty="0"/>
               </a:p>
@@ -6797,11 +6797,7 @@
                 <a:pPr algn="ctr"/>
                 <a:r>
                   <a:rPr lang="en-US" altLang="ko-KR" dirty="0"/>
-                  <a:t>SystemA $</a:t>
-                </a:r>
-                <a:r>
-                  <a:rPr lang="en-US" altLang="ko-KR" dirty="0" err="1"/>
-                  <a:t>Func1</a:t>
+                  <a:t>SystemA .Func1</a:t>
                 </a:r>
                 <a:endParaRPr lang="ko-KR" altLang="en-US" dirty="0"/>
               </a:p>
@@ -6856,8 +6852,8 @@
               <a:p>
                 <a:pPr algn="ctr"/>
                 <a:r>
-                  <a:rPr lang="en-US" altLang="ko-KR" dirty="0" err="1"/>
-                  <a:t>SystemA$Func2</a:t>
+                  <a:rPr lang="en-US" altLang="ko-KR" dirty="0"/>
+                  <a:t>SystemA.Func2</a:t>
                 </a:r>
                 <a:endParaRPr lang="ko-KR" altLang="en-US" dirty="0"/>
               </a:p>

--- a/DsDotNet/src/UnitTest/UnitTest.Model/ImportOfficeExample/ppt/T7_CopySystem.pptx
+++ b/DsDotNet/src/UnitTest/UnitTest.Model/ImportOfficeExample/ppt/T7_CopySystem.pptx
@@ -217,7 +217,7 @@
           <a:p>
             <a:fld id="{DD503887-5801-43A0-AEF9-041E8DDC2558}" type="datetimeFigureOut">
               <a:rPr lang="ko-KR" altLang="en-US" smtClean="0"/>
-              <a:t>2023-11-05</a:t>
+              <a:t>2023-11-12</a:t>
             </a:fld>
             <a:endParaRPr lang="ko-KR" altLang="en-US"/>
           </a:p>
@@ -394,7 +394,7 @@
           <a:p>
             <a:fld id="{95336A0E-57B1-4D4C-BD9B-2F72B5943464}" type="datetimeFigureOut">
               <a:rPr lang="ko-KR" altLang="en-US" smtClean="0"/>
-              <a:t>2023-11-05</a:t>
+              <a:t>2023-11-12</a:t>
             </a:fld>
             <a:endParaRPr lang="ko-KR" altLang="en-US"/>
           </a:p>
@@ -756,7 +756,7 @@
           <a:effectLst/>
           <a:extLst>
             <a:ext uri="{91240B29-F687-4f45-9708-019B960494DF}">
-              <a14:hiddenLine xmlns:a14="http://schemas.microsoft.com/office/drawing/2010/main" xmlns="" w="9525">
+              <a14:hiddenLine xmlns="" xmlns:a14="http://schemas.microsoft.com/office/drawing/2010/main" w="9525">
                 <a:solidFill>
                   <a:srgbClr val="000000"/>
                 </a:solidFill>
@@ -948,7 +948,7 @@
           <a:p>
             <a:fld id="{DEA6EBF0-8E22-42A7-9BEA-2AC7066E6498}" type="datetimeFigureOut">
               <a:rPr lang="ko-KR" altLang="en-US" smtClean="0"/>
-              <a:t>2023-11-05</a:t>
+              <a:t>2023-11-12</a:t>
             </a:fld>
             <a:endParaRPr lang="ko-KR" altLang="en-US"/>
           </a:p>
@@ -1266,7 +1266,7 @@
           <a:p>
             <a:fld id="{DEA6EBF0-8E22-42A7-9BEA-2AC7066E6498}" type="datetimeFigureOut">
               <a:rPr lang="ko-KR" altLang="en-US" smtClean="0"/>
-              <a:t>2023-11-05</a:t>
+              <a:t>2023-11-12</a:t>
             </a:fld>
             <a:endParaRPr lang="ko-KR" altLang="en-US"/>
           </a:p>
@@ -1754,7 +1754,7 @@
           <a:p>
             <a:fld id="{DEA6EBF0-8E22-42A7-9BEA-2AC7066E6498}" type="datetimeFigureOut">
               <a:rPr lang="ko-KR" altLang="en-US" smtClean="0"/>
-              <a:t>2023-11-05</a:t>
+              <a:t>2023-11-12</a:t>
             </a:fld>
             <a:endParaRPr lang="ko-KR" altLang="en-US"/>
           </a:p>
@@ -2123,7 +2123,7 @@
           <a:p>
             <a:fld id="{DEA6EBF0-8E22-42A7-9BEA-2AC7066E6498}" type="datetimeFigureOut">
               <a:rPr lang="ko-KR" altLang="en-US" smtClean="0"/>
-              <a:t>2023-11-05</a:t>
+              <a:t>2023-11-12</a:t>
             </a:fld>
             <a:endParaRPr lang="ko-KR" altLang="en-US"/>
           </a:p>
@@ -2278,7 +2278,7 @@
           <a:ln/>
           <a:extLst>
             <a:ext uri="{91240B29-F687-4f45-9708-019B960494DF}">
-              <a14:hiddenLine xmlns:a14="http://schemas.microsoft.com/office/drawing/2010/main" xmlns="" w="9525">
+              <a14:hiddenLine xmlns="" xmlns:a14="http://schemas.microsoft.com/office/drawing/2010/main" w="9525">
                 <a:solidFill>
                   <a:srgbClr val="000000"/>
                 </a:solidFill>
@@ -2396,7 +2396,7 @@
           <a:p>
             <a:fld id="{DEA6EBF0-8E22-42A7-9BEA-2AC7066E6498}" type="datetimeFigureOut">
               <a:rPr lang="ko-KR" altLang="en-US" smtClean="0"/>
-              <a:t>2023-11-05</a:t>
+              <a:t>2023-11-12</a:t>
             </a:fld>
             <a:endParaRPr lang="ko-KR" altLang="en-US"/>
           </a:p>
@@ -2553,7 +2553,7 @@
           <a:ln/>
           <a:extLst>
             <a:ext uri="{91240B29-F687-4f45-9708-019B960494DF}">
-              <a14:hiddenLine xmlns:a14="http://schemas.microsoft.com/office/drawing/2010/main" xmlns="" w="9525">
+              <a14:hiddenLine xmlns="" xmlns:a14="http://schemas.microsoft.com/office/drawing/2010/main" w="9525">
                 <a:solidFill>
                   <a:srgbClr val="000000"/>
                 </a:solidFill>
@@ -2681,7 +2681,7 @@
           <a:p>
             <a:fld id="{DEA6EBF0-8E22-42A7-9BEA-2AC7066E6498}" type="datetimeFigureOut">
               <a:rPr lang="ko-KR" altLang="en-US" smtClean="0"/>
-              <a:t>2023-11-05</a:t>
+              <a:t>2023-11-12</a:t>
             </a:fld>
             <a:endParaRPr lang="ko-KR" altLang="en-US"/>
           </a:p>
@@ -2799,7 +2799,7 @@
           <a:p>
             <a:fld id="{DEA6EBF0-8E22-42A7-9BEA-2AC7066E6498}" type="datetimeFigureOut">
               <a:rPr lang="ko-KR" altLang="en-US" smtClean="0"/>
-              <a:t>2023-11-05</a:t>
+              <a:t>2023-11-12</a:t>
             </a:fld>
             <a:endParaRPr lang="ko-KR" altLang="en-US"/>
           </a:p>
@@ -2954,7 +2954,7 @@
           <a:ln/>
           <a:extLst>
             <a:ext uri="{91240B29-F687-4f45-9708-019B960494DF}">
-              <a14:hiddenLine xmlns:a14="http://schemas.microsoft.com/office/drawing/2010/main" xmlns="" w="9525">
+              <a14:hiddenLine xmlns="" xmlns:a14="http://schemas.microsoft.com/office/drawing/2010/main" w="9525">
                 <a:solidFill>
                   <a:srgbClr val="000000"/>
                 </a:solidFill>
@@ -3082,7 +3082,7 @@
           <a:p>
             <a:fld id="{DEA6EBF0-8E22-42A7-9BEA-2AC7066E6498}" type="datetimeFigureOut">
               <a:rPr lang="ko-KR" altLang="en-US" smtClean="0"/>
-              <a:t>2023-11-05</a:t>
+              <a:t>2023-11-12</a:t>
             </a:fld>
             <a:endParaRPr lang="ko-KR" altLang="en-US"/>
           </a:p>
@@ -3425,7 +3425,7 @@
           <a:p>
             <a:fld id="{DEA6EBF0-8E22-42A7-9BEA-2AC7066E6498}" type="datetimeFigureOut">
               <a:rPr lang="ko-KR" altLang="en-US" smtClean="0"/>
-              <a:t>2023-11-05</a:t>
+              <a:t>2023-11-12</a:t>
             </a:fld>
             <a:endParaRPr lang="ko-KR" altLang="en-US"/>
           </a:p>
@@ -3580,7 +3580,7 @@
           <a:ln/>
           <a:extLst>
             <a:ext uri="{91240B29-F687-4f45-9708-019B960494DF}">
-              <a14:hiddenLine xmlns:a14="http://schemas.microsoft.com/office/drawing/2010/main" xmlns="" w="9525">
+              <a14:hiddenLine xmlns="" xmlns:a14="http://schemas.microsoft.com/office/drawing/2010/main" w="9525">
                 <a:solidFill>
                   <a:srgbClr val="000000"/>
                 </a:solidFill>
@@ -3764,7 +3764,7 @@
           <a:p>
             <a:fld id="{DEA6EBF0-8E22-42A7-9BEA-2AC7066E6498}" type="datetimeFigureOut">
               <a:rPr lang="ko-KR" altLang="en-US" smtClean="0"/>
-              <a:t>2023-11-05</a:t>
+              <a:t>2023-11-12</a:t>
             </a:fld>
             <a:endParaRPr lang="ko-KR" altLang="en-US"/>
           </a:p>
@@ -3919,7 +3919,7 @@
           <a:ln/>
           <a:extLst>
             <a:ext uri="{91240B29-F687-4f45-9708-019B960494DF}">
-              <a14:hiddenLine xmlns:a14="http://schemas.microsoft.com/office/drawing/2010/main" xmlns="" w="9525">
+              <a14:hiddenLine xmlns="" xmlns:a14="http://schemas.microsoft.com/office/drawing/2010/main" w="9525">
                 <a:solidFill>
                   <a:srgbClr val="000000"/>
                 </a:solidFill>
@@ -4241,7 +4241,7 @@
           <a:p>
             <a:fld id="{DEA6EBF0-8E22-42A7-9BEA-2AC7066E6498}" type="datetimeFigureOut">
               <a:rPr lang="ko-KR" altLang="en-US" smtClean="0"/>
-              <a:t>2023-11-05</a:t>
+              <a:t>2023-11-12</a:t>
             </a:fld>
             <a:endParaRPr lang="ko-KR" altLang="en-US"/>
           </a:p>
@@ -4336,7 +4336,7 @@
           <a:p>
             <a:fld id="{DEA6EBF0-8E22-42A7-9BEA-2AC7066E6498}" type="datetimeFigureOut">
               <a:rPr lang="ko-KR" altLang="en-US" smtClean="0"/>
-              <a:t>2023-11-05</a:t>
+              <a:t>2023-11-12</a:t>
             </a:fld>
             <a:endParaRPr lang="ko-KR" altLang="en-US"/>
           </a:p>
@@ -4604,7 +4604,7 @@
           <a:ln/>
           <a:extLst>
             <a:ext uri="{91240B29-F687-4f45-9708-019B960494DF}">
-              <a14:hiddenLine xmlns:a14="http://schemas.microsoft.com/office/drawing/2010/main" xmlns="" w="9525">
+              <a14:hiddenLine xmlns="" xmlns:a14="http://schemas.microsoft.com/office/drawing/2010/main" w="9525">
                 <a:solidFill>
                   <a:srgbClr val="000000"/>
                 </a:solidFill>
@@ -4803,7 +4803,7 @@
           <a:p>
             <a:fld id="{DEA6EBF0-8E22-42A7-9BEA-2AC7066E6498}" type="datetimeFigureOut">
               <a:rPr lang="ko-KR" altLang="en-US" smtClean="0"/>
-              <a:t>2023-11-05</a:t>
+              <a:t>2023-11-12</a:t>
             </a:fld>
             <a:endParaRPr lang="ko-KR" altLang="en-US"/>
           </a:p>
@@ -5116,7 +5116,7 @@
           <a:p>
             <a:fld id="{DEA6EBF0-8E22-42A7-9BEA-2AC7066E6498}" type="datetimeFigureOut">
               <a:rPr lang="ko-KR" altLang="en-US" smtClean="0"/>
-              <a:t>2023-11-05</a:t>
+              <a:t>2023-11-12</a:t>
             </a:fld>
             <a:endParaRPr lang="ko-KR" altLang="en-US"/>
           </a:p>
@@ -5386,7 +5386,7 @@
           <a:p>
             <a:fld id="{DEA6EBF0-8E22-42A7-9BEA-2AC7066E6498}" type="datetimeFigureOut">
               <a:rPr lang="ko-KR" altLang="en-US" smtClean="0"/>
-              <a:t>2023-11-05</a:t>
+              <a:t>2023-11-12</a:t>
             </a:fld>
             <a:endParaRPr lang="ko-KR" altLang="en-US"/>
           </a:p>
@@ -6395,8 +6395,19 @@
           <a:p>
             <a:pPr algn="ctr"/>
             <a:r>
+              <a:rPr lang="en-US" altLang="ko-KR" sz="1800" dirty="0"/>
+              <a:t>../Sample</a:t>
+            </a:r>
+          </a:p>
+          <a:p>
+            <a:pPr algn="ctr"/>
+            <a:r>
+              <a:rPr lang="en-US" altLang="ko-KR" sz="1800" dirty="0"/>
+              <a:t>/Lib</a:t>
+            </a:r>
+            <a:r>
               <a:rPr lang="en-US" altLang="ko-KR" dirty="0"/>
-              <a:t>Lib/tester</a:t>
+              <a:t>/tester</a:t>
             </a:r>
           </a:p>
           <a:p>
@@ -6952,8 +6963,23 @@
           <a:p>
             <a:pPr algn="ctr"/>
             <a:r>
+              <a:rPr lang="en-US" altLang="ko-KR" sz="1800" dirty="0"/>
+              <a:t>../Sample</a:t>
+            </a:r>
+          </a:p>
+          <a:p>
+            <a:pPr algn="ctr"/>
+            <a:r>
+              <a:rPr lang="en-US" altLang="ko-KR" sz="1800"/>
+              <a:t>/Lib</a:t>
+            </a:r>
+            <a:r>
+              <a:rPr lang="en-US" altLang="ko-KR"/>
+              <a:t>/</a:t>
+            </a:r>
+            <a:r>
               <a:rPr lang="en-US" altLang="ko-KR" dirty="0"/>
-              <a:t>Lib/tester</a:t>
+              <a:t>tester</a:t>
             </a:r>
           </a:p>
           <a:p>

--- a/DsDotNet/src/UnitTest/UnitTest.Model/ImportOfficeExample/ppt/T7_CopySystem.pptx
+++ b/DsDotNet/src/UnitTest/UnitTest.Model/ImportOfficeExample/ppt/T7_CopySystem.pptx
@@ -5,15 +5,14 @@
     <p:sldMasterId id="2147483660" r:id="rId1"/>
   </p:sldMasterIdLst>
   <p:notesMasterIdLst>
-    <p:notesMasterId r:id="rId5"/>
+    <p:notesMasterId r:id="rId4"/>
   </p:notesMasterIdLst>
   <p:handoutMasterIdLst>
-    <p:handoutMasterId r:id="rId6"/>
+    <p:handoutMasterId r:id="rId5"/>
   </p:handoutMasterIdLst>
   <p:sldIdLst>
     <p:sldId id="256" r:id="rId2"/>
-    <p:sldId id="626" r:id="rId3"/>
-    <p:sldId id="627" r:id="rId4"/>
+    <p:sldId id="627" r:id="rId3"/>
   </p:sldIdLst>
   <p:sldSz cx="12192000" cy="6858000"/>
   <p:notesSz cx="6797675" cy="9926638"/>
@@ -217,7 +216,7 @@
           <a:p>
             <a:fld id="{DD503887-5801-43A0-AEF9-041E8DDC2558}" type="datetimeFigureOut">
               <a:rPr lang="ko-KR" altLang="en-US" smtClean="0"/>
-              <a:t>2023-11-12</a:t>
+              <a:t>2023-11-24</a:t>
             </a:fld>
             <a:endParaRPr lang="ko-KR" altLang="en-US"/>
           </a:p>
@@ -394,7 +393,7 @@
           <a:p>
             <a:fld id="{95336A0E-57B1-4D4C-BD9B-2F72B5943464}" type="datetimeFigureOut">
               <a:rPr lang="ko-KR" altLang="en-US" smtClean="0"/>
-              <a:t>2023-11-12</a:t>
+              <a:t>2023-11-24</a:t>
             </a:fld>
             <a:endParaRPr lang="ko-KR" altLang="en-US"/>
           </a:p>
@@ -756,7 +755,7 @@
           <a:effectLst/>
           <a:extLst>
             <a:ext uri="{91240B29-F687-4f45-9708-019B960494DF}">
-              <a14:hiddenLine xmlns="" xmlns:a14="http://schemas.microsoft.com/office/drawing/2010/main" w="9525">
+              <a14:hiddenLine xmlns:a14="http://schemas.microsoft.com/office/drawing/2010/main" xmlns="" w="9525">
                 <a:solidFill>
                   <a:srgbClr val="000000"/>
                 </a:solidFill>
@@ -948,7 +947,7 @@
           <a:p>
             <a:fld id="{DEA6EBF0-8E22-42A7-9BEA-2AC7066E6498}" type="datetimeFigureOut">
               <a:rPr lang="ko-KR" altLang="en-US" smtClean="0"/>
-              <a:t>2023-11-12</a:t>
+              <a:t>2023-11-24</a:t>
             </a:fld>
             <a:endParaRPr lang="ko-KR" altLang="en-US"/>
           </a:p>
@@ -1266,7 +1265,7 @@
           <a:p>
             <a:fld id="{DEA6EBF0-8E22-42A7-9BEA-2AC7066E6498}" type="datetimeFigureOut">
               <a:rPr lang="ko-KR" altLang="en-US" smtClean="0"/>
-              <a:t>2023-11-12</a:t>
+              <a:t>2023-11-24</a:t>
             </a:fld>
             <a:endParaRPr lang="ko-KR" altLang="en-US"/>
           </a:p>
@@ -1754,7 +1753,7 @@
           <a:p>
             <a:fld id="{DEA6EBF0-8E22-42A7-9BEA-2AC7066E6498}" type="datetimeFigureOut">
               <a:rPr lang="ko-KR" altLang="en-US" smtClean="0"/>
-              <a:t>2023-11-12</a:t>
+              <a:t>2023-11-24</a:t>
             </a:fld>
             <a:endParaRPr lang="ko-KR" altLang="en-US"/>
           </a:p>
@@ -2123,7 +2122,7 @@
           <a:p>
             <a:fld id="{DEA6EBF0-8E22-42A7-9BEA-2AC7066E6498}" type="datetimeFigureOut">
               <a:rPr lang="ko-KR" altLang="en-US" smtClean="0"/>
-              <a:t>2023-11-12</a:t>
+              <a:t>2023-11-24</a:t>
             </a:fld>
             <a:endParaRPr lang="ko-KR" altLang="en-US"/>
           </a:p>
@@ -2278,7 +2277,7 @@
           <a:ln/>
           <a:extLst>
             <a:ext uri="{91240B29-F687-4f45-9708-019B960494DF}">
-              <a14:hiddenLine xmlns="" xmlns:a14="http://schemas.microsoft.com/office/drawing/2010/main" w="9525">
+              <a14:hiddenLine xmlns:a14="http://schemas.microsoft.com/office/drawing/2010/main" xmlns="" w="9525">
                 <a:solidFill>
                   <a:srgbClr val="000000"/>
                 </a:solidFill>
@@ -2396,7 +2395,7 @@
           <a:p>
             <a:fld id="{DEA6EBF0-8E22-42A7-9BEA-2AC7066E6498}" type="datetimeFigureOut">
               <a:rPr lang="ko-KR" altLang="en-US" smtClean="0"/>
-              <a:t>2023-11-12</a:t>
+              <a:t>2023-11-24</a:t>
             </a:fld>
             <a:endParaRPr lang="ko-KR" altLang="en-US"/>
           </a:p>
@@ -2553,7 +2552,7 @@
           <a:ln/>
           <a:extLst>
             <a:ext uri="{91240B29-F687-4f45-9708-019B960494DF}">
-              <a14:hiddenLine xmlns="" xmlns:a14="http://schemas.microsoft.com/office/drawing/2010/main" w="9525">
+              <a14:hiddenLine xmlns:a14="http://schemas.microsoft.com/office/drawing/2010/main" xmlns="" w="9525">
                 <a:solidFill>
                   <a:srgbClr val="000000"/>
                 </a:solidFill>
@@ -2681,7 +2680,7 @@
           <a:p>
             <a:fld id="{DEA6EBF0-8E22-42A7-9BEA-2AC7066E6498}" type="datetimeFigureOut">
               <a:rPr lang="ko-KR" altLang="en-US" smtClean="0"/>
-              <a:t>2023-11-12</a:t>
+              <a:t>2023-11-24</a:t>
             </a:fld>
             <a:endParaRPr lang="ko-KR" altLang="en-US"/>
           </a:p>
@@ -2799,7 +2798,7 @@
           <a:p>
             <a:fld id="{DEA6EBF0-8E22-42A7-9BEA-2AC7066E6498}" type="datetimeFigureOut">
               <a:rPr lang="ko-KR" altLang="en-US" smtClean="0"/>
-              <a:t>2023-11-12</a:t>
+              <a:t>2023-11-24</a:t>
             </a:fld>
             <a:endParaRPr lang="ko-KR" altLang="en-US"/>
           </a:p>
@@ -2954,7 +2953,7 @@
           <a:ln/>
           <a:extLst>
             <a:ext uri="{91240B29-F687-4f45-9708-019B960494DF}">
-              <a14:hiddenLine xmlns="" xmlns:a14="http://schemas.microsoft.com/office/drawing/2010/main" w="9525">
+              <a14:hiddenLine xmlns:a14="http://schemas.microsoft.com/office/drawing/2010/main" xmlns="" w="9525">
                 <a:solidFill>
                   <a:srgbClr val="000000"/>
                 </a:solidFill>
@@ -3082,7 +3081,7 @@
           <a:p>
             <a:fld id="{DEA6EBF0-8E22-42A7-9BEA-2AC7066E6498}" type="datetimeFigureOut">
               <a:rPr lang="ko-KR" altLang="en-US" smtClean="0"/>
-              <a:t>2023-11-12</a:t>
+              <a:t>2023-11-24</a:t>
             </a:fld>
             <a:endParaRPr lang="ko-KR" altLang="en-US"/>
           </a:p>
@@ -3425,7 +3424,7 @@
           <a:p>
             <a:fld id="{DEA6EBF0-8E22-42A7-9BEA-2AC7066E6498}" type="datetimeFigureOut">
               <a:rPr lang="ko-KR" altLang="en-US" smtClean="0"/>
-              <a:t>2023-11-12</a:t>
+              <a:t>2023-11-24</a:t>
             </a:fld>
             <a:endParaRPr lang="ko-KR" altLang="en-US"/>
           </a:p>
@@ -3580,7 +3579,7 @@
           <a:ln/>
           <a:extLst>
             <a:ext uri="{91240B29-F687-4f45-9708-019B960494DF}">
-              <a14:hiddenLine xmlns="" xmlns:a14="http://schemas.microsoft.com/office/drawing/2010/main" w="9525">
+              <a14:hiddenLine xmlns:a14="http://schemas.microsoft.com/office/drawing/2010/main" xmlns="" w="9525">
                 <a:solidFill>
                   <a:srgbClr val="000000"/>
                 </a:solidFill>
@@ -3764,7 +3763,7 @@
           <a:p>
             <a:fld id="{DEA6EBF0-8E22-42A7-9BEA-2AC7066E6498}" type="datetimeFigureOut">
               <a:rPr lang="ko-KR" altLang="en-US" smtClean="0"/>
-              <a:t>2023-11-12</a:t>
+              <a:t>2023-11-24</a:t>
             </a:fld>
             <a:endParaRPr lang="ko-KR" altLang="en-US"/>
           </a:p>
@@ -3919,7 +3918,7 @@
           <a:ln/>
           <a:extLst>
             <a:ext uri="{91240B29-F687-4f45-9708-019B960494DF}">
-              <a14:hiddenLine xmlns="" xmlns:a14="http://schemas.microsoft.com/office/drawing/2010/main" w="9525">
+              <a14:hiddenLine xmlns:a14="http://schemas.microsoft.com/office/drawing/2010/main" xmlns="" w="9525">
                 <a:solidFill>
                   <a:srgbClr val="000000"/>
                 </a:solidFill>
@@ -4241,7 +4240,7 @@
           <a:p>
             <a:fld id="{DEA6EBF0-8E22-42A7-9BEA-2AC7066E6498}" type="datetimeFigureOut">
               <a:rPr lang="ko-KR" altLang="en-US" smtClean="0"/>
-              <a:t>2023-11-12</a:t>
+              <a:t>2023-11-24</a:t>
             </a:fld>
             <a:endParaRPr lang="ko-KR" altLang="en-US"/>
           </a:p>
@@ -4336,7 +4335,7 @@
           <a:p>
             <a:fld id="{DEA6EBF0-8E22-42A7-9BEA-2AC7066E6498}" type="datetimeFigureOut">
               <a:rPr lang="ko-KR" altLang="en-US" smtClean="0"/>
-              <a:t>2023-11-12</a:t>
+              <a:t>2023-11-24</a:t>
             </a:fld>
             <a:endParaRPr lang="ko-KR" altLang="en-US"/>
           </a:p>
@@ -4604,7 +4603,7 @@
           <a:ln/>
           <a:extLst>
             <a:ext uri="{91240B29-F687-4f45-9708-019B960494DF}">
-              <a14:hiddenLine xmlns="" xmlns:a14="http://schemas.microsoft.com/office/drawing/2010/main" w="9525">
+              <a14:hiddenLine xmlns:a14="http://schemas.microsoft.com/office/drawing/2010/main" xmlns="" w="9525">
                 <a:solidFill>
                   <a:srgbClr val="000000"/>
                 </a:solidFill>
@@ -4803,7 +4802,7 @@
           <a:p>
             <a:fld id="{DEA6EBF0-8E22-42A7-9BEA-2AC7066E6498}" type="datetimeFigureOut">
               <a:rPr lang="ko-KR" altLang="en-US" smtClean="0"/>
-              <a:t>2023-11-12</a:t>
+              <a:t>2023-11-24</a:t>
             </a:fld>
             <a:endParaRPr lang="ko-KR" altLang="en-US"/>
           </a:p>
@@ -5116,7 +5115,7 @@
           <a:p>
             <a:fld id="{DEA6EBF0-8E22-42A7-9BEA-2AC7066E6498}" type="datetimeFigureOut">
               <a:rPr lang="ko-KR" altLang="en-US" smtClean="0"/>
-              <a:t>2023-11-12</a:t>
+              <a:t>2023-11-24</a:t>
             </a:fld>
             <a:endParaRPr lang="ko-KR" altLang="en-US"/>
           </a:p>
@@ -5386,7 +5385,7 @@
           <a:p>
             <a:fld id="{DEA6EBF0-8E22-42A7-9BEA-2AC7066E6498}" type="datetimeFigureOut">
               <a:rPr lang="ko-KR" altLang="en-US" smtClean="0"/>
-              <a:t>2023-11-12</a:t>
+              <a:t>2023-11-24</a:t>
             </a:fld>
             <a:endParaRPr lang="ko-KR" altLang="en-US"/>
           </a:p>
@@ -5975,7 +5974,7 @@
           <a:p>
             <a:r>
               <a:rPr lang="en-US" altLang="ko-KR" dirty="0"/>
-              <a:t>S101</a:t>
+              <a:t>S102</a:t>
             </a:r>
             <a:endParaRPr lang="ko-KR" altLang="en-US" dirty="0"/>
           </a:p>
@@ -6240,7 +6239,7 @@
                 <a:pPr algn="ctr"/>
                 <a:r>
                   <a:rPr lang="en-US" altLang="ko-KR" dirty="0"/>
-                  <a:t>Copy1 .Func1</a:t>
+                  <a:t>SystemA .Func1[4]</a:t>
                 </a:r>
                 <a:endParaRPr lang="ko-KR" altLang="en-US" dirty="0"/>
               </a:p>
@@ -6296,7 +6295,7 @@
                 <a:pPr algn="ctr"/>
                 <a:r>
                   <a:rPr lang="en-US" altLang="ko-KR" dirty="0"/>
-                  <a:t>Copy2 .Func2</a:t>
+                  <a:t>SystemA.Func2[5]</a:t>
                 </a:r>
                 <a:endParaRPr lang="ko-KR" altLang="en-US" dirty="0"/>
               </a:p>
@@ -6414,579 +6413,7 @@
             <a:pPr algn="ctr"/>
             <a:r>
               <a:rPr lang="en-US" altLang="ko-KR" dirty="0"/>
-              <a:t>[Copy1; Copy2]</a:t>
-            </a:r>
-            <a:endParaRPr lang="ko-KR" altLang="en-US" dirty="0"/>
-          </a:p>
-        </p:txBody>
-      </p:sp>
-      <p:sp>
-        <p:nvSpPr>
-          <p:cNvPr id="4" name="TextBox 3">
-            <a:extLst>
-              <a:ext uri="{FF2B5EF4-FFF2-40B4-BE49-F238E27FC236}">
-                <a16:creationId xmlns:a16="http://schemas.microsoft.com/office/drawing/2014/main" id="{9A03A722-5833-954B-9CFC-4E8A59AE5C36}"/>
-              </a:ext>
-            </a:extLst>
-          </p:cNvPr>
-          <p:cNvSpPr txBox="1"/>
-          <p:nvPr/>
-        </p:nvSpPr>
-        <p:spPr>
-          <a:xfrm>
-            <a:off x="6781801" y="1860544"/>
-            <a:ext cx="5410199" cy="646331"/>
-          </a:xfrm>
-          <a:prstGeom prst="rect">
-            <a:avLst/>
-          </a:prstGeom>
-          <a:noFill/>
-        </p:spPr>
-        <p:txBody>
-          <a:bodyPr wrap="square">
-            <a:spAutoFit/>
-          </a:bodyPr>
-          <a:lstStyle/>
-          <a:p>
-            <a:r>
-              <a:rPr lang="ko-KR" altLang="en-US" dirty="0"/>
-              <a:t>확장정의</a:t>
-            </a:r>
-            <a:r>
-              <a:rPr lang="en-US" altLang="ko-KR" dirty="0"/>
-              <a:t>1 : </a:t>
-            </a:r>
-            <a:r>
-              <a:rPr lang="ko-KR" altLang="en-US" dirty="0"/>
-              <a:t>복수의 </a:t>
-            </a:r>
-            <a:r>
-              <a:rPr lang="en-US" altLang="ko-KR" dirty="0"/>
-              <a:t>Copy</a:t>
-            </a:r>
-            <a:r>
-              <a:rPr lang="ko-KR" altLang="en-US" dirty="0"/>
-              <a:t>시스템을 만들 수 있다</a:t>
-            </a:r>
-            <a:r>
-              <a:rPr lang="en-US" altLang="ko-KR" dirty="0"/>
-              <a:t>.</a:t>
-            </a:r>
-          </a:p>
-          <a:p>
-            <a:r>
-              <a:rPr lang="en-US" altLang="ko-KR" dirty="0"/>
-              <a:t>‘ ; ‘  </a:t>
-            </a:r>
-            <a:r>
-              <a:rPr lang="ko-KR" altLang="en-US" dirty="0"/>
-              <a:t>구분하여 여러 시스템 로딩 한다</a:t>
-            </a:r>
-            <a:r>
-              <a:rPr lang="en-US" altLang="ko-KR" dirty="0"/>
-              <a:t>.</a:t>
-            </a:r>
-            <a:endParaRPr lang="ko-KR" altLang="en-US" dirty="0"/>
-          </a:p>
-        </p:txBody>
-      </p:sp>
-    </p:spTree>
-    <p:extLst>
-      <p:ext uri="{BB962C8B-B14F-4D97-AF65-F5344CB8AC3E}">
-        <p14:creationId xmlns:p14="http://schemas.microsoft.com/office/powerpoint/2010/main" val="805683712"/>
-      </p:ext>
-    </p:extLst>
-  </p:cSld>
-  <p:clrMapOvr>
-    <a:masterClrMapping/>
-  </p:clrMapOvr>
-</p:sld>
-</file>
-
-<file path=ppt/slides/slide3.xml><?xml version="1.0" encoding="utf-8"?>
-<p:sld xmlns:a="http://schemas.openxmlformats.org/drawingml/2006/main" xmlns:r="http://schemas.openxmlformats.org/officeDocument/2006/relationships" xmlns:p="http://schemas.openxmlformats.org/presentationml/2006/main">
-  <p:cSld>
-    <p:spTree>
-      <p:nvGrpSpPr>
-        <p:cNvPr id="1" name=""/>
-        <p:cNvGrpSpPr/>
-        <p:nvPr/>
-      </p:nvGrpSpPr>
-      <p:grpSpPr>
-        <a:xfrm>
-          <a:off x="0" y="0"/>
-          <a:ext cx="0" cy="0"/>
-          <a:chOff x="0" y="0"/>
-          <a:chExt cx="0" cy="0"/>
-        </a:xfrm>
-      </p:grpSpPr>
-      <p:sp>
-        <p:nvSpPr>
-          <p:cNvPr id="2" name="제목 1">
-            <a:extLst>
-              <a:ext uri="{FF2B5EF4-FFF2-40B4-BE49-F238E27FC236}">
-                <a16:creationId xmlns:a16="http://schemas.microsoft.com/office/drawing/2014/main" id="{E35BEC89-0CFB-7F29-D8C7-71B3E64B4D66}"/>
-              </a:ext>
-            </a:extLst>
-          </p:cNvPr>
-          <p:cNvSpPr>
-            <a:spLocks noGrp="1"/>
-          </p:cNvSpPr>
-          <p:nvPr>
-            <p:ph type="title"/>
-          </p:nvPr>
-        </p:nvSpPr>
-        <p:spPr/>
-        <p:txBody>
-          <a:bodyPr/>
-          <a:lstStyle/>
-          <a:p>
-            <a:r>
-              <a:rPr lang="en-US" altLang="ko-KR" dirty="0"/>
-              <a:t>S102</a:t>
-            </a:r>
-            <a:endParaRPr lang="ko-KR" altLang="en-US" dirty="0"/>
-          </a:p>
-        </p:txBody>
-      </p:sp>
-      <p:sp>
-        <p:nvSpPr>
-          <p:cNvPr id="5" name="직사각형 4">
-            <a:extLst>
-              <a:ext uri="{FF2B5EF4-FFF2-40B4-BE49-F238E27FC236}">
-                <a16:creationId xmlns:a16="http://schemas.microsoft.com/office/drawing/2014/main" id="{A2120A99-FD95-1369-3328-C124905A811D}"/>
-              </a:ext>
-            </a:extLst>
-          </p:cNvPr>
-          <p:cNvSpPr/>
-          <p:nvPr/>
-        </p:nvSpPr>
-        <p:spPr>
-          <a:xfrm>
-            <a:off x="7988400" y="4158041"/>
-            <a:ext cx="2437946" cy="1223682"/>
-          </a:xfrm>
-          <a:prstGeom prst="rect">
-            <a:avLst/>
-          </a:prstGeom>
-          <a:solidFill>
-            <a:schemeClr val="accent4">
-              <a:alpha val="50000"/>
-            </a:schemeClr>
-          </a:solidFill>
-          <a:ln>
-            <a:noFill/>
-          </a:ln>
-        </p:spPr>
-        <p:style>
-          <a:lnRef idx="0">
-            <a:scrgbClr r="0" g="0" b="0"/>
-          </a:lnRef>
-          <a:fillRef idx="0">
-            <a:scrgbClr r="0" g="0" b="0"/>
-          </a:fillRef>
-          <a:effectRef idx="0">
-            <a:scrgbClr r="0" g="0" b="0"/>
-          </a:effectRef>
-          <a:fontRef idx="minor">
-            <a:schemeClr val="lt1"/>
-          </a:fontRef>
-        </p:style>
-        <p:txBody>
-          <a:bodyPr rtlCol="0" anchor="ctr"/>
-          <a:lstStyle/>
-          <a:p>
-            <a:pPr algn="ctr"/>
-            <a:r>
-              <a:rPr lang="en-US" altLang="ko-KR" sz="1200" dirty="0"/>
-              <a:t>R2</a:t>
-            </a:r>
-            <a:endParaRPr lang="ko-KR" altLang="en-US" sz="1200" dirty="0"/>
-          </a:p>
-        </p:txBody>
-      </p:sp>
-      <p:cxnSp>
-        <p:nvCxnSpPr>
-          <p:cNvPr id="6" name="직선 화살표 연결선 5">
-            <a:extLst>
-              <a:ext uri="{FF2B5EF4-FFF2-40B4-BE49-F238E27FC236}">
-                <a16:creationId xmlns:a16="http://schemas.microsoft.com/office/drawing/2014/main" id="{E74E5CB1-7F24-0E65-9659-E049F77B2F9A}"/>
-              </a:ext>
-            </a:extLst>
-          </p:cNvPr>
-          <p:cNvCxnSpPr>
-            <a:cxnSpLocks/>
-            <a:stCxn id="7" idx="3"/>
-            <a:endCxn id="5" idx="1"/>
-          </p:cNvCxnSpPr>
-          <p:nvPr/>
-        </p:nvCxnSpPr>
-        <p:spPr>
-          <a:xfrm>
-            <a:off x="6534526" y="4220068"/>
-            <a:ext cx="1453874" cy="549814"/>
-          </a:xfrm>
-          <a:prstGeom prst="straightConnector1">
-            <a:avLst/>
-          </a:prstGeom>
-          <a:ln w="28575">
-            <a:solidFill>
-              <a:schemeClr val="tx1">
-                <a:lumMod val="75000"/>
-                <a:lumOff val="25000"/>
-              </a:schemeClr>
-            </a:solidFill>
-            <a:tailEnd type="triangle"/>
-          </a:ln>
-        </p:spPr>
-        <p:style>
-          <a:lnRef idx="1">
-            <a:schemeClr val="dk1"/>
-          </a:lnRef>
-          <a:fillRef idx="3">
-            <a:schemeClr val="dk1"/>
-          </a:fillRef>
-          <a:effectRef idx="2">
-            <a:schemeClr val="dk1"/>
-          </a:effectRef>
-          <a:fontRef idx="minor">
-            <a:schemeClr val="lt1"/>
-          </a:fontRef>
-        </p:style>
-      </p:cxnSp>
-      <p:grpSp>
-        <p:nvGrpSpPr>
-          <p:cNvPr id="8" name="그룹 7">
-            <a:extLst>
-              <a:ext uri="{FF2B5EF4-FFF2-40B4-BE49-F238E27FC236}">
-                <a16:creationId xmlns:a16="http://schemas.microsoft.com/office/drawing/2014/main" id="{E4E86703-9197-722D-B1EF-887463109F89}"/>
-              </a:ext>
-            </a:extLst>
-          </p:cNvPr>
-          <p:cNvGrpSpPr/>
-          <p:nvPr/>
-        </p:nvGrpSpPr>
-        <p:grpSpPr>
-          <a:xfrm>
-            <a:off x="810000" y="2424605"/>
-            <a:ext cx="5724526" cy="3590925"/>
-            <a:chOff x="848416" y="1962150"/>
-            <a:chExt cx="5724526" cy="3590925"/>
-          </a:xfrm>
-        </p:grpSpPr>
-        <p:sp>
-          <p:nvSpPr>
-            <p:cNvPr id="7" name="직사각형 6">
-              <a:extLst>
-                <a:ext uri="{FF2B5EF4-FFF2-40B4-BE49-F238E27FC236}">
-                  <a16:creationId xmlns:a16="http://schemas.microsoft.com/office/drawing/2014/main" id="{ABDB84CF-3826-2164-6107-3FAF7AEB955A}"/>
-                </a:ext>
-              </a:extLst>
-            </p:cNvPr>
-            <p:cNvSpPr/>
-            <p:nvPr/>
-          </p:nvSpPr>
-          <p:spPr>
-            <a:xfrm>
-              <a:off x="848416" y="1962150"/>
-              <a:ext cx="5724526" cy="3590925"/>
-            </a:xfrm>
-            <a:prstGeom prst="rect">
-              <a:avLst/>
-            </a:prstGeom>
-            <a:solidFill>
-              <a:schemeClr val="accent4">
-                <a:alpha val="50000"/>
-              </a:schemeClr>
-            </a:solidFill>
-            <a:ln>
-              <a:noFill/>
-            </a:ln>
-          </p:spPr>
-          <p:style>
-            <a:lnRef idx="0">
-              <a:scrgbClr r="0" g="0" b="0"/>
-            </a:lnRef>
-            <a:fillRef idx="0">
-              <a:scrgbClr r="0" g="0" b="0"/>
-            </a:fillRef>
-            <a:effectRef idx="0">
-              <a:scrgbClr r="0" g="0" b="0"/>
-            </a:effectRef>
-            <a:fontRef idx="minor">
-              <a:schemeClr val="lt1"/>
-            </a:fontRef>
-          </p:style>
-          <p:txBody>
-            <a:bodyPr rtlCol="0" anchor="t"/>
-            <a:lstStyle/>
-            <a:p>
-              <a:pPr algn="ctr"/>
-              <a:r>
-                <a:rPr lang="en-US" altLang="ko-KR" sz="2800" dirty="0">
-                  <a:solidFill>
-                    <a:schemeClr val="tx1"/>
-                  </a:solidFill>
-                </a:rPr>
-                <a:t>R1</a:t>
-              </a:r>
-              <a:endParaRPr lang="ko-KR" altLang="en-US" sz="1200" dirty="0">
-                <a:solidFill>
-                  <a:schemeClr val="tx1"/>
-                </a:solidFill>
-              </a:endParaRPr>
-            </a:p>
-          </p:txBody>
-        </p:sp>
-        <p:grpSp>
-          <p:nvGrpSpPr>
-            <p:cNvPr id="3" name="그룹 2">
-              <a:extLst>
-                <a:ext uri="{FF2B5EF4-FFF2-40B4-BE49-F238E27FC236}">
-                  <a16:creationId xmlns:a16="http://schemas.microsoft.com/office/drawing/2014/main" id="{217DAACF-5BCB-5A30-66B8-057CF83D7D6F}"/>
-                </a:ext>
-              </a:extLst>
-            </p:cNvPr>
-            <p:cNvGrpSpPr/>
-            <p:nvPr/>
-          </p:nvGrpSpPr>
-          <p:grpSpPr>
-            <a:xfrm>
-              <a:off x="1405973" y="2441441"/>
-              <a:ext cx="4398681" cy="2052964"/>
-              <a:chOff x="1314450" y="2476500"/>
-              <a:chExt cx="4476750" cy="2447925"/>
-            </a:xfrm>
-          </p:grpSpPr>
-          <p:sp>
-            <p:nvSpPr>
-              <p:cNvPr id="11" name="타원 10">
-                <a:extLst>
-                  <a:ext uri="{FF2B5EF4-FFF2-40B4-BE49-F238E27FC236}">
-                    <a16:creationId xmlns:a16="http://schemas.microsoft.com/office/drawing/2014/main" id="{A8DEAF01-6D94-28CA-7567-1D6E7A30C46B}"/>
-                  </a:ext>
-                </a:extLst>
-              </p:cNvPr>
-              <p:cNvSpPr/>
-              <p:nvPr/>
-            </p:nvSpPr>
-            <p:spPr>
-              <a:xfrm>
-                <a:off x="1314450" y="2476500"/>
-                <a:ext cx="1733550" cy="952500"/>
-              </a:xfrm>
-              <a:prstGeom prst="ellipse">
-                <a:avLst/>
-              </a:prstGeom>
-              <a:solidFill>
-                <a:schemeClr val="accent4">
-                  <a:alpha val="50000"/>
-                </a:schemeClr>
-              </a:solidFill>
-              <a:ln>
-                <a:noFill/>
-              </a:ln>
-            </p:spPr>
-            <p:style>
-              <a:lnRef idx="0">
-                <a:scrgbClr r="0" g="0" b="0"/>
-              </a:lnRef>
-              <a:fillRef idx="0">
-                <a:scrgbClr r="0" g="0" b="0"/>
-              </a:fillRef>
-              <a:effectRef idx="0">
-                <a:scrgbClr r="0" g="0" b="0"/>
-              </a:effectRef>
-              <a:fontRef idx="minor">
-                <a:schemeClr val="lt1"/>
-              </a:fontRef>
-            </p:style>
-            <p:txBody>
-              <a:bodyPr rtlCol="0" anchor="ctr"/>
-              <a:lstStyle/>
-              <a:p>
-                <a:pPr algn="ctr"/>
-                <a:r>
-                  <a:rPr lang="en-US" altLang="ko-KR" dirty="0"/>
-                  <a:t>SystemA .Func1</a:t>
-                </a:r>
-                <a:endParaRPr lang="ko-KR" altLang="en-US" dirty="0"/>
-              </a:p>
-            </p:txBody>
-          </p:sp>
-          <p:sp>
-            <p:nvSpPr>
-              <p:cNvPr id="12" name="타원 11">
-                <a:extLst>
-                  <a:ext uri="{FF2B5EF4-FFF2-40B4-BE49-F238E27FC236}">
-                    <a16:creationId xmlns:a16="http://schemas.microsoft.com/office/drawing/2014/main" id="{97830B60-D108-9F85-29FC-869E4BDC5485}"/>
-                  </a:ext>
-                </a:extLst>
-              </p:cNvPr>
-              <p:cNvSpPr/>
-              <p:nvPr/>
-            </p:nvSpPr>
-            <p:spPr>
-              <a:xfrm>
-                <a:off x="4057650" y="3971925"/>
-                <a:ext cx="1733550" cy="952500"/>
-              </a:xfrm>
-              <a:prstGeom prst="ellipse">
-                <a:avLst/>
-              </a:prstGeom>
-              <a:solidFill>
-                <a:schemeClr val="accent4">
-                  <a:alpha val="50000"/>
-                </a:schemeClr>
-              </a:solidFill>
-              <a:ln>
-                <a:noFill/>
-              </a:ln>
-            </p:spPr>
-            <p:style>
-              <a:lnRef idx="0">
-                <a:scrgbClr r="0" g="0" b="0"/>
-              </a:lnRef>
-              <a:fillRef idx="0">
-                <a:scrgbClr r="0" g="0" b="0"/>
-              </a:fillRef>
-              <a:effectRef idx="0">
-                <a:scrgbClr r="0" g="0" b="0"/>
-              </a:effectRef>
-              <a:fontRef idx="minor">
-                <a:schemeClr val="lt1"/>
-              </a:fontRef>
-            </p:style>
-            <p:txBody>
-              <a:bodyPr rtlCol="0" anchor="ctr"/>
-              <a:lstStyle/>
-              <a:p>
-                <a:pPr algn="ctr"/>
-                <a:r>
-                  <a:rPr lang="en-US" altLang="ko-KR" dirty="0"/>
-                  <a:t>SystemA.Func2</a:t>
-                </a:r>
-                <a:endParaRPr lang="ko-KR" altLang="en-US" dirty="0"/>
-              </a:p>
-            </p:txBody>
-          </p:sp>
-          <p:cxnSp>
-            <p:nvCxnSpPr>
-              <p:cNvPr id="14" name="연결선: 꺾임 13">
-                <a:extLst>
-                  <a:ext uri="{FF2B5EF4-FFF2-40B4-BE49-F238E27FC236}">
-                    <a16:creationId xmlns:a16="http://schemas.microsoft.com/office/drawing/2014/main" id="{AA5A9BF2-AF58-9F27-CB69-91D64393C28C}"/>
-                  </a:ext>
-                </a:extLst>
-              </p:cNvPr>
-              <p:cNvCxnSpPr>
-                <a:stCxn id="11" idx="5"/>
-                <a:endCxn id="12" idx="1"/>
-              </p:cNvCxnSpPr>
-              <p:nvPr/>
-            </p:nvCxnSpPr>
-            <p:spPr>
-              <a:xfrm rot="16200000" flipH="1">
-                <a:off x="3141873" y="2941764"/>
-                <a:ext cx="821905" cy="1517396"/>
-              </a:xfrm>
-              <a:prstGeom prst="bentConnector3">
-                <a:avLst/>
-              </a:prstGeom>
-              <a:ln>
-                <a:tailEnd type="triangle"/>
-              </a:ln>
-            </p:spPr>
-            <p:style>
-              <a:lnRef idx="1">
-                <a:schemeClr val="accent4"/>
-              </a:lnRef>
-              <a:fillRef idx="0">
-                <a:schemeClr val="accent4"/>
-              </a:fillRef>
-              <a:effectRef idx="0">
-                <a:schemeClr val="accent4"/>
-              </a:effectRef>
-              <a:fontRef idx="minor">
-                <a:schemeClr val="tx1"/>
-              </a:fontRef>
-            </p:style>
-          </p:cxnSp>
-        </p:grpSp>
-      </p:grpSp>
-      <p:sp>
-        <p:nvSpPr>
-          <p:cNvPr id="9" name="사각형: 모서리가 접힌 도형 8">
-            <a:extLst>
-              <a:ext uri="{FF2B5EF4-FFF2-40B4-BE49-F238E27FC236}">
-                <a16:creationId xmlns:a16="http://schemas.microsoft.com/office/drawing/2014/main" id="{CD4551F7-015D-C082-6A49-B87E9C21A9AC}"/>
-              </a:ext>
-            </a:extLst>
-          </p:cNvPr>
-          <p:cNvSpPr/>
-          <p:nvPr/>
-        </p:nvSpPr>
-        <p:spPr>
-          <a:xfrm>
-            <a:off x="9316310" y="2557743"/>
-            <a:ext cx="2437946" cy="1223682"/>
-          </a:xfrm>
-          <a:prstGeom prst="foldedCorner">
-            <a:avLst/>
-          </a:prstGeom>
-          <a:solidFill>
-            <a:schemeClr val="accent3">
-              <a:alpha val="50000"/>
-            </a:schemeClr>
-          </a:solidFill>
-          <a:ln>
-            <a:noFill/>
-          </a:ln>
-        </p:spPr>
-        <p:style>
-          <a:lnRef idx="0">
-            <a:scrgbClr r="0" g="0" b="0"/>
-          </a:lnRef>
-          <a:fillRef idx="0">
-            <a:scrgbClr r="0" g="0" b="0"/>
-          </a:fillRef>
-          <a:effectRef idx="0">
-            <a:scrgbClr r="0" g="0" b="0"/>
-          </a:effectRef>
-          <a:fontRef idx="minor">
-            <a:schemeClr val="lt1"/>
-          </a:fontRef>
-        </p:style>
-        <p:txBody>
-          <a:bodyPr rtlCol="0" anchor="ctr"/>
-          <a:lstStyle/>
-          <a:p>
-            <a:pPr algn="ctr"/>
-            <a:r>
-              <a:rPr lang="en-US" altLang="ko-KR" sz="1800" dirty="0"/>
-              <a:t>../Sample</a:t>
-            </a:r>
-          </a:p>
-          <a:p>
-            <a:pPr algn="ctr"/>
-            <a:r>
-              <a:rPr lang="en-US" altLang="ko-KR" sz="1800"/>
-              <a:t>/Lib</a:t>
-            </a:r>
-            <a:r>
-              <a:rPr lang="en-US" altLang="ko-KR"/>
-              <a:t>/</a:t>
-            </a:r>
-            <a:r>
-              <a:rPr lang="en-US" altLang="ko-KR" dirty="0"/>
-              <a:t>tester</a:t>
-            </a:r>
-          </a:p>
-          <a:p>
-            <a:pPr algn="ctr"/>
-            <a:r>
-              <a:rPr lang="en-US" altLang="ko-KR" dirty="0"/>
-              <a:t>[SystemA]5</a:t>
+              <a:t>[SystemA]</a:t>
             </a:r>
             <a:endParaRPr lang="ko-KR" altLang="en-US" dirty="0"/>
           </a:p>
@@ -7006,7 +6433,7 @@
         </p:nvSpPr>
         <p:spPr>
           <a:xfrm>
-            <a:off x="6817869" y="1861486"/>
+            <a:off x="2264582" y="5130518"/>
             <a:ext cx="4996881" cy="646331"/>
           </a:xfrm>
           <a:prstGeom prst="rect">

--- a/DsDotNet/src/UnitTest/UnitTest.Model/ImportOfficeExample/ppt/T7_CopySystem.pptx
+++ b/DsDotNet/src/UnitTest/UnitTest.Model/ImportOfficeExample/ppt/T7_CopySystem.pptx
@@ -216,7 +216,7 @@
           <a:p>
             <a:fld id="{DD503887-5801-43A0-AEF9-041E8DDC2558}" type="datetimeFigureOut">
               <a:rPr lang="ko-KR" altLang="en-US" smtClean="0"/>
-              <a:t>2023-11-24</a:t>
+              <a:t>2024-02-24</a:t>
             </a:fld>
             <a:endParaRPr lang="ko-KR" altLang="en-US"/>
           </a:p>
@@ -393,7 +393,7 @@
           <a:p>
             <a:fld id="{95336A0E-57B1-4D4C-BD9B-2F72B5943464}" type="datetimeFigureOut">
               <a:rPr lang="ko-KR" altLang="en-US" smtClean="0"/>
-              <a:t>2023-11-24</a:t>
+              <a:t>2024-02-24</a:t>
             </a:fld>
             <a:endParaRPr lang="ko-KR" altLang="en-US"/>
           </a:p>
@@ -947,7 +947,7 @@
           <a:p>
             <a:fld id="{DEA6EBF0-8E22-42A7-9BEA-2AC7066E6498}" type="datetimeFigureOut">
               <a:rPr lang="ko-KR" altLang="en-US" smtClean="0"/>
-              <a:t>2023-11-24</a:t>
+              <a:t>2024-02-24</a:t>
             </a:fld>
             <a:endParaRPr lang="ko-KR" altLang="en-US"/>
           </a:p>
@@ -1265,7 +1265,7 @@
           <a:p>
             <a:fld id="{DEA6EBF0-8E22-42A7-9BEA-2AC7066E6498}" type="datetimeFigureOut">
               <a:rPr lang="ko-KR" altLang="en-US" smtClean="0"/>
-              <a:t>2023-11-24</a:t>
+              <a:t>2024-02-24</a:t>
             </a:fld>
             <a:endParaRPr lang="ko-KR" altLang="en-US"/>
           </a:p>
@@ -1753,7 +1753,7 @@
           <a:p>
             <a:fld id="{DEA6EBF0-8E22-42A7-9BEA-2AC7066E6498}" type="datetimeFigureOut">
               <a:rPr lang="ko-KR" altLang="en-US" smtClean="0"/>
-              <a:t>2023-11-24</a:t>
+              <a:t>2024-02-24</a:t>
             </a:fld>
             <a:endParaRPr lang="ko-KR" altLang="en-US"/>
           </a:p>
@@ -2122,7 +2122,7 @@
           <a:p>
             <a:fld id="{DEA6EBF0-8E22-42A7-9BEA-2AC7066E6498}" type="datetimeFigureOut">
               <a:rPr lang="ko-KR" altLang="en-US" smtClean="0"/>
-              <a:t>2023-11-24</a:t>
+              <a:t>2024-02-24</a:t>
             </a:fld>
             <a:endParaRPr lang="ko-KR" altLang="en-US"/>
           </a:p>
@@ -2395,7 +2395,7 @@
           <a:p>
             <a:fld id="{DEA6EBF0-8E22-42A7-9BEA-2AC7066E6498}" type="datetimeFigureOut">
               <a:rPr lang="ko-KR" altLang="en-US" smtClean="0"/>
-              <a:t>2023-11-24</a:t>
+              <a:t>2024-02-24</a:t>
             </a:fld>
             <a:endParaRPr lang="ko-KR" altLang="en-US"/>
           </a:p>
@@ -2680,7 +2680,7 @@
           <a:p>
             <a:fld id="{DEA6EBF0-8E22-42A7-9BEA-2AC7066E6498}" type="datetimeFigureOut">
               <a:rPr lang="ko-KR" altLang="en-US" smtClean="0"/>
-              <a:t>2023-11-24</a:t>
+              <a:t>2024-02-24</a:t>
             </a:fld>
             <a:endParaRPr lang="ko-KR" altLang="en-US"/>
           </a:p>
@@ -2798,7 +2798,7 @@
           <a:p>
             <a:fld id="{DEA6EBF0-8E22-42A7-9BEA-2AC7066E6498}" type="datetimeFigureOut">
               <a:rPr lang="ko-KR" altLang="en-US" smtClean="0"/>
-              <a:t>2023-11-24</a:t>
+              <a:t>2024-02-24</a:t>
             </a:fld>
             <a:endParaRPr lang="ko-KR" altLang="en-US"/>
           </a:p>
@@ -3081,7 +3081,7 @@
           <a:p>
             <a:fld id="{DEA6EBF0-8E22-42A7-9BEA-2AC7066E6498}" type="datetimeFigureOut">
               <a:rPr lang="ko-KR" altLang="en-US" smtClean="0"/>
-              <a:t>2023-11-24</a:t>
+              <a:t>2024-02-24</a:t>
             </a:fld>
             <a:endParaRPr lang="ko-KR" altLang="en-US"/>
           </a:p>
@@ -3424,7 +3424,7 @@
           <a:p>
             <a:fld id="{DEA6EBF0-8E22-42A7-9BEA-2AC7066E6498}" type="datetimeFigureOut">
               <a:rPr lang="ko-KR" altLang="en-US" smtClean="0"/>
-              <a:t>2023-11-24</a:t>
+              <a:t>2024-02-24</a:t>
             </a:fld>
             <a:endParaRPr lang="ko-KR" altLang="en-US"/>
           </a:p>
@@ -3763,7 +3763,7 @@
           <a:p>
             <a:fld id="{DEA6EBF0-8E22-42A7-9BEA-2AC7066E6498}" type="datetimeFigureOut">
               <a:rPr lang="ko-KR" altLang="en-US" smtClean="0"/>
-              <a:t>2023-11-24</a:t>
+              <a:t>2024-02-24</a:t>
             </a:fld>
             <a:endParaRPr lang="ko-KR" altLang="en-US"/>
           </a:p>
@@ -4240,7 +4240,7 @@
           <a:p>
             <a:fld id="{DEA6EBF0-8E22-42A7-9BEA-2AC7066E6498}" type="datetimeFigureOut">
               <a:rPr lang="ko-KR" altLang="en-US" smtClean="0"/>
-              <a:t>2023-11-24</a:t>
+              <a:t>2024-02-24</a:t>
             </a:fld>
             <a:endParaRPr lang="ko-KR" altLang="en-US"/>
           </a:p>
@@ -4335,7 +4335,7 @@
           <a:p>
             <a:fld id="{DEA6EBF0-8E22-42A7-9BEA-2AC7066E6498}" type="datetimeFigureOut">
               <a:rPr lang="ko-KR" altLang="en-US" smtClean="0"/>
-              <a:t>2023-11-24</a:t>
+              <a:t>2024-02-24</a:t>
             </a:fld>
             <a:endParaRPr lang="ko-KR" altLang="en-US"/>
           </a:p>
@@ -4802,7 +4802,7 @@
           <a:p>
             <a:fld id="{DEA6EBF0-8E22-42A7-9BEA-2AC7066E6498}" type="datetimeFigureOut">
               <a:rPr lang="ko-KR" altLang="en-US" smtClean="0"/>
-              <a:t>2023-11-24</a:t>
+              <a:t>2024-02-24</a:t>
             </a:fld>
             <a:endParaRPr lang="ko-KR" altLang="en-US"/>
           </a:p>
@@ -5115,7 +5115,7 @@
           <a:p>
             <a:fld id="{DEA6EBF0-8E22-42A7-9BEA-2AC7066E6498}" type="datetimeFigureOut">
               <a:rPr lang="ko-KR" altLang="en-US" smtClean="0"/>
-              <a:t>2023-11-24</a:t>
+              <a:t>2024-02-24</a:t>
             </a:fld>
             <a:endParaRPr lang="ko-KR" altLang="en-US"/>
           </a:p>
@@ -5385,7 +5385,7 @@
           <a:p>
             <a:fld id="{DEA6EBF0-8E22-42A7-9BEA-2AC7066E6498}" type="datetimeFigureOut">
               <a:rPr lang="ko-KR" altLang="en-US" smtClean="0"/>
-              <a:t>2023-11-24</a:t>
+              <a:t>2024-02-24</a:t>
             </a:fld>
             <a:endParaRPr lang="ko-KR" altLang="en-US"/>
           </a:p>
@@ -5857,7 +5857,7 @@
           <a:p>
             <a:r>
               <a:rPr lang="en-US" altLang="ko-KR" dirty="0"/>
-              <a:t>Unit Test</a:t>
+              <a:t>T7_CopySystem</a:t>
             </a:r>
             <a:endParaRPr lang="ko-KR" altLang="en-US" dirty="0"/>
           </a:p>
@@ -6087,10 +6087,10 @@
       </p:cxnSp>
       <p:grpSp>
         <p:nvGrpSpPr>
-          <p:cNvPr id="8" name="그룹 7">
+          <p:cNvPr id="3" name="그룹 2">
             <a:extLst>
               <a:ext uri="{FF2B5EF4-FFF2-40B4-BE49-F238E27FC236}">
-                <a16:creationId xmlns:a16="http://schemas.microsoft.com/office/drawing/2014/main" id="{E4E86703-9197-722D-B1EF-887463109F89}"/>
+                <a16:creationId xmlns:a16="http://schemas.microsoft.com/office/drawing/2014/main" id="{4A8D66DD-1615-4EDD-F4F5-6FDDEAF1DD6A}"/>
               </a:ext>
             </a:extLst>
           </p:cNvPr>
@@ -6101,7 +6101,7 @@
           <a:xfrm>
             <a:off x="810000" y="2424605"/>
             <a:ext cx="5724526" cy="3590925"/>
-            <a:chOff x="848416" y="1962150"/>
+            <a:chOff x="810000" y="2424605"/>
             <a:chExt cx="5724526" cy="3590925"/>
           </a:xfrm>
         </p:grpSpPr>
@@ -6119,7 +6119,7 @@
           </p:nvSpPr>
           <p:spPr>
             <a:xfrm>
-              <a:off x="848416" y="1962150"/>
+              <a:off x="810000" y="2424605"/>
               <a:ext cx="5724526" cy="3590925"/>
             </a:xfrm>
             <a:prstGeom prst="rect">
@@ -6169,256 +6169,169 @@
             </a:p>
           </p:txBody>
         </p:sp>
-        <p:grpSp>
-          <p:nvGrpSpPr>
-            <p:cNvPr id="3" name="그룹 2">
+        <p:sp>
+          <p:nvSpPr>
+            <p:cNvPr id="11" name="타원 10">
               <a:extLst>
                 <a:ext uri="{FF2B5EF4-FFF2-40B4-BE49-F238E27FC236}">
-                  <a16:creationId xmlns:a16="http://schemas.microsoft.com/office/drawing/2014/main" id="{217DAACF-5BCB-5A30-66B8-057CF83D7D6F}"/>
+                  <a16:creationId xmlns:a16="http://schemas.microsoft.com/office/drawing/2014/main" id="{A8DEAF01-6D94-28CA-7567-1D6E7A30C46B}"/>
                 </a:ext>
               </a:extLst>
             </p:cNvPr>
-            <p:cNvGrpSpPr/>
+            <p:cNvSpPr/>
             <p:nvPr/>
-          </p:nvGrpSpPr>
-          <p:grpSpPr>
+          </p:nvSpPr>
+          <p:spPr>
             <a:xfrm>
-              <a:off x="1405973" y="2441441"/>
-              <a:ext cx="4398681" cy="2052964"/>
-              <a:chOff x="1314450" y="2476500"/>
-              <a:chExt cx="4476750" cy="2447925"/>
+              <a:off x="1367557" y="2903896"/>
+              <a:ext cx="1703319" cy="798819"/>
             </a:xfrm>
-          </p:grpSpPr>
-          <p:sp>
-            <p:nvSpPr>
-              <p:cNvPr id="11" name="타원 10">
-                <a:extLst>
-                  <a:ext uri="{FF2B5EF4-FFF2-40B4-BE49-F238E27FC236}">
-                    <a16:creationId xmlns:a16="http://schemas.microsoft.com/office/drawing/2014/main" id="{A8DEAF01-6D94-28CA-7567-1D6E7A30C46B}"/>
-                  </a:ext>
-                </a:extLst>
-              </p:cNvPr>
-              <p:cNvSpPr/>
-              <p:nvPr/>
-            </p:nvSpPr>
-            <p:spPr>
-              <a:xfrm>
-                <a:off x="1314450" y="2476500"/>
-                <a:ext cx="1733550" cy="952500"/>
-              </a:xfrm>
-              <a:prstGeom prst="ellipse">
-                <a:avLst/>
-              </a:prstGeom>
-              <a:solidFill>
-                <a:schemeClr val="accent4">
-                  <a:alpha val="50000"/>
-                </a:schemeClr>
-              </a:solidFill>
-              <a:ln>
-                <a:noFill/>
-              </a:ln>
-            </p:spPr>
-            <p:style>
-              <a:lnRef idx="0">
-                <a:scrgbClr r="0" g="0" b="0"/>
-              </a:lnRef>
-              <a:fillRef idx="0">
-                <a:scrgbClr r="0" g="0" b="0"/>
-              </a:fillRef>
-              <a:effectRef idx="0">
-                <a:scrgbClr r="0" g="0" b="0"/>
-              </a:effectRef>
-              <a:fontRef idx="minor">
-                <a:schemeClr val="lt1"/>
-              </a:fontRef>
-            </p:style>
-            <p:txBody>
-              <a:bodyPr rtlCol="0" anchor="ctr"/>
-              <a:lstStyle/>
-              <a:p>
-                <a:pPr algn="ctr"/>
-                <a:r>
-                  <a:rPr lang="en-US" altLang="ko-KR" dirty="0"/>
-                  <a:t>SystemA .Func1[4]</a:t>
-                </a:r>
-                <a:endParaRPr lang="ko-KR" altLang="en-US" dirty="0"/>
-              </a:p>
-            </p:txBody>
-          </p:sp>
-          <p:sp>
-            <p:nvSpPr>
-              <p:cNvPr id="12" name="타원 11">
-                <a:extLst>
-                  <a:ext uri="{FF2B5EF4-FFF2-40B4-BE49-F238E27FC236}">
-                    <a16:creationId xmlns:a16="http://schemas.microsoft.com/office/drawing/2014/main" id="{97830B60-D108-9F85-29FC-869E4BDC5485}"/>
-                  </a:ext>
-                </a:extLst>
-              </p:cNvPr>
-              <p:cNvSpPr/>
-              <p:nvPr/>
-            </p:nvSpPr>
-            <p:spPr>
-              <a:xfrm>
-                <a:off x="4057650" y="3971925"/>
-                <a:ext cx="1733550" cy="952500"/>
-              </a:xfrm>
-              <a:prstGeom prst="ellipse">
-                <a:avLst/>
-              </a:prstGeom>
-              <a:solidFill>
-                <a:schemeClr val="accent4">
-                  <a:alpha val="50000"/>
-                </a:schemeClr>
-              </a:solidFill>
-              <a:ln>
-                <a:noFill/>
-              </a:ln>
-            </p:spPr>
-            <p:style>
-              <a:lnRef idx="0">
-                <a:scrgbClr r="0" g="0" b="0"/>
-              </a:lnRef>
-              <a:fillRef idx="0">
-                <a:scrgbClr r="0" g="0" b="0"/>
-              </a:fillRef>
-              <a:effectRef idx="0">
-                <a:scrgbClr r="0" g="0" b="0"/>
-              </a:effectRef>
-              <a:fontRef idx="minor">
-                <a:schemeClr val="lt1"/>
-              </a:fontRef>
-            </p:style>
-            <p:txBody>
-              <a:bodyPr rtlCol="0" anchor="ctr"/>
-              <a:lstStyle/>
-              <a:p>
-                <a:pPr algn="ctr"/>
-                <a:r>
-                  <a:rPr lang="en-US" altLang="ko-KR" dirty="0"/>
-                  <a:t>SystemA.Func2[5]</a:t>
-                </a:r>
-                <a:endParaRPr lang="ko-KR" altLang="en-US" dirty="0"/>
-              </a:p>
-            </p:txBody>
-          </p:sp>
-          <p:cxnSp>
-            <p:nvCxnSpPr>
-              <p:cNvPr id="14" name="연결선: 꺾임 13">
-                <a:extLst>
-                  <a:ext uri="{FF2B5EF4-FFF2-40B4-BE49-F238E27FC236}">
-                    <a16:creationId xmlns:a16="http://schemas.microsoft.com/office/drawing/2014/main" id="{AA5A9BF2-AF58-9F27-CB69-91D64393C28C}"/>
-                  </a:ext>
-                </a:extLst>
-              </p:cNvPr>
-              <p:cNvCxnSpPr>
-                <a:stCxn id="11" idx="5"/>
-                <a:endCxn id="12" idx="1"/>
-              </p:cNvCxnSpPr>
-              <p:nvPr/>
-            </p:nvCxnSpPr>
-            <p:spPr>
-              <a:xfrm rot="16200000" flipH="1">
-                <a:off x="3141873" y="2941764"/>
-                <a:ext cx="821905" cy="1517396"/>
-              </a:xfrm>
-              <a:prstGeom prst="bentConnector3">
-                <a:avLst/>
-              </a:prstGeom>
-              <a:ln>
-                <a:tailEnd type="triangle"/>
-              </a:ln>
-            </p:spPr>
-            <p:style>
-              <a:lnRef idx="1">
-                <a:schemeClr val="accent4"/>
-              </a:lnRef>
-              <a:fillRef idx="0">
-                <a:schemeClr val="accent4"/>
-              </a:fillRef>
-              <a:effectRef idx="0">
-                <a:schemeClr val="accent4"/>
-              </a:effectRef>
-              <a:fontRef idx="minor">
-                <a:schemeClr val="tx1"/>
-              </a:fontRef>
-            </p:style>
-          </p:cxnSp>
-        </p:grpSp>
+            <a:prstGeom prst="ellipse">
+              <a:avLst/>
+            </a:prstGeom>
+            <a:solidFill>
+              <a:schemeClr val="accent4">
+                <a:alpha val="50000"/>
+              </a:schemeClr>
+            </a:solidFill>
+            <a:ln>
+              <a:noFill/>
+            </a:ln>
+          </p:spPr>
+          <p:style>
+            <a:lnRef idx="0">
+              <a:scrgbClr r="0" g="0" b="0"/>
+            </a:lnRef>
+            <a:fillRef idx="0">
+              <a:scrgbClr r="0" g="0" b="0"/>
+            </a:fillRef>
+            <a:effectRef idx="0">
+              <a:scrgbClr r="0" g="0" b="0"/>
+            </a:effectRef>
+            <a:fontRef idx="minor">
+              <a:schemeClr val="lt1"/>
+            </a:fontRef>
+          </p:style>
+          <p:txBody>
+            <a:bodyPr rtlCol="0" anchor="ctr"/>
+            <a:lstStyle/>
+            <a:p>
+              <a:pPr algn="ctr"/>
+              <a:r>
+                <a:rPr lang="en-US" altLang="ko-KR" dirty="0" err="1"/>
+                <a:t>SystemA.ADV</a:t>
+              </a:r>
+              <a:r>
+                <a:rPr lang="en-US" altLang="ko-KR" dirty="0"/>
+                <a:t>[4]</a:t>
+              </a:r>
+              <a:endParaRPr lang="ko-KR" altLang="en-US" dirty="0"/>
+            </a:p>
+          </p:txBody>
+        </p:sp>
+        <p:sp>
+          <p:nvSpPr>
+            <p:cNvPr id="12" name="타원 11">
+              <a:extLst>
+                <a:ext uri="{FF2B5EF4-FFF2-40B4-BE49-F238E27FC236}">
+                  <a16:creationId xmlns:a16="http://schemas.microsoft.com/office/drawing/2014/main" id="{97830B60-D108-9F85-29FC-869E4BDC5485}"/>
+                </a:ext>
+              </a:extLst>
+            </p:cNvPr>
+            <p:cNvSpPr/>
+            <p:nvPr/>
+          </p:nvSpPr>
+          <p:spPr>
+            <a:xfrm>
+              <a:off x="4062919" y="4158041"/>
+              <a:ext cx="1703319" cy="798819"/>
+            </a:xfrm>
+            <a:prstGeom prst="ellipse">
+              <a:avLst/>
+            </a:prstGeom>
+            <a:solidFill>
+              <a:schemeClr val="accent4">
+                <a:alpha val="50000"/>
+              </a:schemeClr>
+            </a:solidFill>
+            <a:ln>
+              <a:noFill/>
+            </a:ln>
+          </p:spPr>
+          <p:style>
+            <a:lnRef idx="0">
+              <a:scrgbClr r="0" g="0" b="0"/>
+            </a:lnRef>
+            <a:fillRef idx="0">
+              <a:scrgbClr r="0" g="0" b="0"/>
+            </a:fillRef>
+            <a:effectRef idx="0">
+              <a:scrgbClr r="0" g="0" b="0"/>
+            </a:effectRef>
+            <a:fontRef idx="minor">
+              <a:schemeClr val="lt1"/>
+            </a:fontRef>
+          </p:style>
+          <p:txBody>
+            <a:bodyPr rtlCol="0" anchor="ctr"/>
+            <a:lstStyle/>
+            <a:p>
+              <a:pPr algn="ctr"/>
+              <a:r>
+                <a:rPr lang="en-US" altLang="ko-KR" dirty="0" err="1"/>
+                <a:t>SystemA.RET</a:t>
+              </a:r>
+              <a:r>
+                <a:rPr lang="en-US" altLang="ko-KR"/>
+                <a:t>[5]</a:t>
+              </a:r>
+              <a:endParaRPr lang="ko-KR" altLang="en-US" dirty="0"/>
+            </a:p>
+          </p:txBody>
+        </p:sp>
+        <p:cxnSp>
+          <p:nvCxnSpPr>
+            <p:cNvPr id="14" name="연결선: 꺾임 13">
+              <a:extLst>
+                <a:ext uri="{FF2B5EF4-FFF2-40B4-BE49-F238E27FC236}">
+                  <a16:creationId xmlns:a16="http://schemas.microsoft.com/office/drawing/2014/main" id="{AA5A9BF2-AF58-9F27-CB69-91D64393C28C}"/>
+                </a:ext>
+              </a:extLst>
+            </p:cNvPr>
+            <p:cNvCxnSpPr>
+              <a:stCxn id="11" idx="5"/>
+              <a:endCxn id="12" idx="1"/>
+            </p:cNvCxnSpPr>
+            <p:nvPr/>
+          </p:nvCxnSpPr>
+          <p:spPr>
+            <a:xfrm rot="16200000" flipH="1">
+              <a:off x="3222251" y="3184910"/>
+              <a:ext cx="689295" cy="1490934"/>
+            </a:xfrm>
+            <a:prstGeom prst="bentConnector3">
+              <a:avLst/>
+            </a:prstGeom>
+            <a:ln>
+              <a:tailEnd type="triangle"/>
+            </a:ln>
+          </p:spPr>
+          <p:style>
+            <a:lnRef idx="1">
+              <a:schemeClr val="accent4"/>
+            </a:lnRef>
+            <a:fillRef idx="0">
+              <a:schemeClr val="accent4"/>
+            </a:fillRef>
+            <a:effectRef idx="0">
+              <a:schemeClr val="accent4"/>
+            </a:effectRef>
+            <a:fontRef idx="minor">
+              <a:schemeClr val="tx1"/>
+            </a:fontRef>
+          </p:style>
+        </p:cxnSp>
       </p:grpSp>
-      <p:sp>
-        <p:nvSpPr>
-          <p:cNvPr id="9" name="사각형: 모서리가 접힌 도형 8">
-            <a:extLst>
-              <a:ext uri="{FF2B5EF4-FFF2-40B4-BE49-F238E27FC236}">
-                <a16:creationId xmlns:a16="http://schemas.microsoft.com/office/drawing/2014/main" id="{CD4551F7-015D-C082-6A49-B87E9C21A9AC}"/>
-              </a:ext>
-            </a:extLst>
-          </p:cNvPr>
-          <p:cNvSpPr/>
-          <p:nvPr/>
-        </p:nvSpPr>
-        <p:spPr>
-          <a:xfrm>
-            <a:off x="9316310" y="2557743"/>
-            <a:ext cx="2437946" cy="1223682"/>
-          </a:xfrm>
-          <a:prstGeom prst="foldedCorner">
-            <a:avLst/>
-          </a:prstGeom>
-          <a:solidFill>
-            <a:schemeClr val="accent3">
-              <a:alpha val="50000"/>
-            </a:schemeClr>
-          </a:solidFill>
-          <a:ln>
-            <a:noFill/>
-          </a:ln>
-        </p:spPr>
-        <p:style>
-          <a:lnRef idx="0">
-            <a:scrgbClr r="0" g="0" b="0"/>
-          </a:lnRef>
-          <a:fillRef idx="0">
-            <a:scrgbClr r="0" g="0" b="0"/>
-          </a:fillRef>
-          <a:effectRef idx="0">
-            <a:scrgbClr r="0" g="0" b="0"/>
-          </a:effectRef>
-          <a:fontRef idx="minor">
-            <a:schemeClr val="lt1"/>
-          </a:fontRef>
-        </p:style>
-        <p:txBody>
-          <a:bodyPr rtlCol="0" anchor="ctr"/>
-          <a:lstStyle/>
-          <a:p>
-            <a:pPr algn="ctr"/>
-            <a:r>
-              <a:rPr lang="en-US" altLang="ko-KR" sz="1800" dirty="0"/>
-              <a:t>../Sample</a:t>
-            </a:r>
-          </a:p>
-          <a:p>
-            <a:pPr algn="ctr"/>
-            <a:r>
-              <a:rPr lang="en-US" altLang="ko-KR" sz="1800" dirty="0"/>
-              <a:t>/Lib</a:t>
-            </a:r>
-            <a:r>
-              <a:rPr lang="en-US" altLang="ko-KR" dirty="0"/>
-              <a:t>/tester</a:t>
-            </a:r>
-          </a:p>
-          <a:p>
-            <a:pPr algn="ctr"/>
-            <a:r>
-              <a:rPr lang="en-US" altLang="ko-KR" dirty="0"/>
-              <a:t>[SystemA]</a:t>
-            </a:r>
-            <a:endParaRPr lang="ko-KR" altLang="en-US" dirty="0"/>
-          </a:p>
-        </p:txBody>
-      </p:sp>
       <p:sp>
         <p:nvSpPr>
           <p:cNvPr id="15" name="TextBox 14">

--- a/DsDotNet/src/UnitTest/UnitTest.Model/ImportOfficeExample/ppt/T7_CopySystem.pptx
+++ b/DsDotNet/src/UnitTest/UnitTest.Model/ImportOfficeExample/ppt/T7_CopySystem.pptx
@@ -216,7 +216,7 @@
           <a:p>
             <a:fld id="{DD503887-5801-43A0-AEF9-041E8DDC2558}" type="datetimeFigureOut">
               <a:rPr lang="ko-KR" altLang="en-US" smtClean="0"/>
-              <a:t>2024-02-24</a:t>
+              <a:t>2024-03-13</a:t>
             </a:fld>
             <a:endParaRPr lang="ko-KR" altLang="en-US"/>
           </a:p>
@@ -393,7 +393,7 @@
           <a:p>
             <a:fld id="{95336A0E-57B1-4D4C-BD9B-2F72B5943464}" type="datetimeFigureOut">
               <a:rPr lang="ko-KR" altLang="en-US" smtClean="0"/>
-              <a:t>2024-02-24</a:t>
+              <a:t>2024-03-13</a:t>
             </a:fld>
             <a:endParaRPr lang="ko-KR" altLang="en-US"/>
           </a:p>
@@ -755,7 +755,7 @@
           <a:effectLst/>
           <a:extLst>
             <a:ext uri="{91240B29-F687-4f45-9708-019B960494DF}">
-              <a14:hiddenLine xmlns:a14="http://schemas.microsoft.com/office/drawing/2010/main" xmlns="" w="9525">
+              <a14:hiddenLine xmlns="" xmlns:a14="http://schemas.microsoft.com/office/drawing/2010/main" w="9525">
                 <a:solidFill>
                   <a:srgbClr val="000000"/>
                 </a:solidFill>
@@ -947,7 +947,7 @@
           <a:p>
             <a:fld id="{DEA6EBF0-8E22-42A7-9BEA-2AC7066E6498}" type="datetimeFigureOut">
               <a:rPr lang="ko-KR" altLang="en-US" smtClean="0"/>
-              <a:t>2024-02-24</a:t>
+              <a:t>2024-03-13</a:t>
             </a:fld>
             <a:endParaRPr lang="ko-KR" altLang="en-US"/>
           </a:p>
@@ -1265,7 +1265,7 @@
           <a:p>
             <a:fld id="{DEA6EBF0-8E22-42A7-9BEA-2AC7066E6498}" type="datetimeFigureOut">
               <a:rPr lang="ko-KR" altLang="en-US" smtClean="0"/>
-              <a:t>2024-02-24</a:t>
+              <a:t>2024-03-13</a:t>
             </a:fld>
             <a:endParaRPr lang="ko-KR" altLang="en-US"/>
           </a:p>
@@ -1753,7 +1753,7 @@
           <a:p>
             <a:fld id="{DEA6EBF0-8E22-42A7-9BEA-2AC7066E6498}" type="datetimeFigureOut">
               <a:rPr lang="ko-KR" altLang="en-US" smtClean="0"/>
-              <a:t>2024-02-24</a:t>
+              <a:t>2024-03-13</a:t>
             </a:fld>
             <a:endParaRPr lang="ko-KR" altLang="en-US"/>
           </a:p>
@@ -2122,7 +2122,7 @@
           <a:p>
             <a:fld id="{DEA6EBF0-8E22-42A7-9BEA-2AC7066E6498}" type="datetimeFigureOut">
               <a:rPr lang="ko-KR" altLang="en-US" smtClean="0"/>
-              <a:t>2024-02-24</a:t>
+              <a:t>2024-03-13</a:t>
             </a:fld>
             <a:endParaRPr lang="ko-KR" altLang="en-US"/>
           </a:p>
@@ -2277,7 +2277,7 @@
           <a:ln/>
           <a:extLst>
             <a:ext uri="{91240B29-F687-4f45-9708-019B960494DF}">
-              <a14:hiddenLine xmlns:a14="http://schemas.microsoft.com/office/drawing/2010/main" xmlns="" w="9525">
+              <a14:hiddenLine xmlns="" xmlns:a14="http://schemas.microsoft.com/office/drawing/2010/main" w="9525">
                 <a:solidFill>
                   <a:srgbClr val="000000"/>
                 </a:solidFill>
@@ -2395,7 +2395,7 @@
           <a:p>
             <a:fld id="{DEA6EBF0-8E22-42A7-9BEA-2AC7066E6498}" type="datetimeFigureOut">
               <a:rPr lang="ko-KR" altLang="en-US" smtClean="0"/>
-              <a:t>2024-02-24</a:t>
+              <a:t>2024-03-13</a:t>
             </a:fld>
             <a:endParaRPr lang="ko-KR" altLang="en-US"/>
           </a:p>
@@ -2552,7 +2552,7 @@
           <a:ln/>
           <a:extLst>
             <a:ext uri="{91240B29-F687-4f45-9708-019B960494DF}">
-              <a14:hiddenLine xmlns:a14="http://schemas.microsoft.com/office/drawing/2010/main" xmlns="" w="9525">
+              <a14:hiddenLine xmlns="" xmlns:a14="http://schemas.microsoft.com/office/drawing/2010/main" w="9525">
                 <a:solidFill>
                   <a:srgbClr val="000000"/>
                 </a:solidFill>
@@ -2680,7 +2680,7 @@
           <a:p>
             <a:fld id="{DEA6EBF0-8E22-42A7-9BEA-2AC7066E6498}" type="datetimeFigureOut">
               <a:rPr lang="ko-KR" altLang="en-US" smtClean="0"/>
-              <a:t>2024-02-24</a:t>
+              <a:t>2024-03-13</a:t>
             </a:fld>
             <a:endParaRPr lang="ko-KR" altLang="en-US"/>
           </a:p>
@@ -2798,7 +2798,7 @@
           <a:p>
             <a:fld id="{DEA6EBF0-8E22-42A7-9BEA-2AC7066E6498}" type="datetimeFigureOut">
               <a:rPr lang="ko-KR" altLang="en-US" smtClean="0"/>
-              <a:t>2024-02-24</a:t>
+              <a:t>2024-03-13</a:t>
             </a:fld>
             <a:endParaRPr lang="ko-KR" altLang="en-US"/>
           </a:p>
@@ -2953,7 +2953,7 @@
           <a:ln/>
           <a:extLst>
             <a:ext uri="{91240B29-F687-4f45-9708-019B960494DF}">
-              <a14:hiddenLine xmlns:a14="http://schemas.microsoft.com/office/drawing/2010/main" xmlns="" w="9525">
+              <a14:hiddenLine xmlns="" xmlns:a14="http://schemas.microsoft.com/office/drawing/2010/main" w="9525">
                 <a:solidFill>
                   <a:srgbClr val="000000"/>
                 </a:solidFill>
@@ -3081,7 +3081,7 @@
           <a:p>
             <a:fld id="{DEA6EBF0-8E22-42A7-9BEA-2AC7066E6498}" type="datetimeFigureOut">
               <a:rPr lang="ko-KR" altLang="en-US" smtClean="0"/>
-              <a:t>2024-02-24</a:t>
+              <a:t>2024-03-13</a:t>
             </a:fld>
             <a:endParaRPr lang="ko-KR" altLang="en-US"/>
           </a:p>
@@ -3424,7 +3424,7 @@
           <a:p>
             <a:fld id="{DEA6EBF0-8E22-42A7-9BEA-2AC7066E6498}" type="datetimeFigureOut">
               <a:rPr lang="ko-KR" altLang="en-US" smtClean="0"/>
-              <a:t>2024-02-24</a:t>
+              <a:t>2024-03-13</a:t>
             </a:fld>
             <a:endParaRPr lang="ko-KR" altLang="en-US"/>
           </a:p>
@@ -3579,7 +3579,7 @@
           <a:ln/>
           <a:extLst>
             <a:ext uri="{91240B29-F687-4f45-9708-019B960494DF}">
-              <a14:hiddenLine xmlns:a14="http://schemas.microsoft.com/office/drawing/2010/main" xmlns="" w="9525">
+              <a14:hiddenLine xmlns="" xmlns:a14="http://schemas.microsoft.com/office/drawing/2010/main" w="9525">
                 <a:solidFill>
                   <a:srgbClr val="000000"/>
                 </a:solidFill>
@@ -3763,7 +3763,7 @@
           <a:p>
             <a:fld id="{DEA6EBF0-8E22-42A7-9BEA-2AC7066E6498}" type="datetimeFigureOut">
               <a:rPr lang="ko-KR" altLang="en-US" smtClean="0"/>
-              <a:t>2024-02-24</a:t>
+              <a:t>2024-03-13</a:t>
             </a:fld>
             <a:endParaRPr lang="ko-KR" altLang="en-US"/>
           </a:p>
@@ -3918,7 +3918,7 @@
           <a:ln/>
           <a:extLst>
             <a:ext uri="{91240B29-F687-4f45-9708-019B960494DF}">
-              <a14:hiddenLine xmlns:a14="http://schemas.microsoft.com/office/drawing/2010/main" xmlns="" w="9525">
+              <a14:hiddenLine xmlns="" xmlns:a14="http://schemas.microsoft.com/office/drawing/2010/main" w="9525">
                 <a:solidFill>
                   <a:srgbClr val="000000"/>
                 </a:solidFill>
@@ -4240,7 +4240,7 @@
           <a:p>
             <a:fld id="{DEA6EBF0-8E22-42A7-9BEA-2AC7066E6498}" type="datetimeFigureOut">
               <a:rPr lang="ko-KR" altLang="en-US" smtClean="0"/>
-              <a:t>2024-02-24</a:t>
+              <a:t>2024-03-13</a:t>
             </a:fld>
             <a:endParaRPr lang="ko-KR" altLang="en-US"/>
           </a:p>
@@ -4335,7 +4335,7 @@
           <a:p>
             <a:fld id="{DEA6EBF0-8E22-42A7-9BEA-2AC7066E6498}" type="datetimeFigureOut">
               <a:rPr lang="ko-KR" altLang="en-US" smtClean="0"/>
-              <a:t>2024-02-24</a:t>
+              <a:t>2024-03-13</a:t>
             </a:fld>
             <a:endParaRPr lang="ko-KR" altLang="en-US"/>
           </a:p>
@@ -4603,7 +4603,7 @@
           <a:ln/>
           <a:extLst>
             <a:ext uri="{91240B29-F687-4f45-9708-019B960494DF}">
-              <a14:hiddenLine xmlns:a14="http://schemas.microsoft.com/office/drawing/2010/main" xmlns="" w="9525">
+              <a14:hiddenLine xmlns="" xmlns:a14="http://schemas.microsoft.com/office/drawing/2010/main" w="9525">
                 <a:solidFill>
                   <a:srgbClr val="000000"/>
                 </a:solidFill>
@@ -4802,7 +4802,7 @@
           <a:p>
             <a:fld id="{DEA6EBF0-8E22-42A7-9BEA-2AC7066E6498}" type="datetimeFigureOut">
               <a:rPr lang="ko-KR" altLang="en-US" smtClean="0"/>
-              <a:t>2024-02-24</a:t>
+              <a:t>2024-03-13</a:t>
             </a:fld>
             <a:endParaRPr lang="ko-KR" altLang="en-US"/>
           </a:p>
@@ -5115,7 +5115,7 @@
           <a:p>
             <a:fld id="{DEA6EBF0-8E22-42A7-9BEA-2AC7066E6498}" type="datetimeFigureOut">
               <a:rPr lang="ko-KR" altLang="en-US" smtClean="0"/>
-              <a:t>2024-02-24</a:t>
+              <a:t>2024-03-13</a:t>
             </a:fld>
             <a:endParaRPr lang="ko-KR" altLang="en-US"/>
           </a:p>
@@ -5385,7 +5385,7 @@
           <a:p>
             <a:fld id="{DEA6EBF0-8E22-42A7-9BEA-2AC7066E6498}" type="datetimeFigureOut">
               <a:rPr lang="ko-KR" altLang="en-US" smtClean="0"/>
-              <a:t>2024-02-24</a:t>
+              <a:t>2024-03-13</a:t>
             </a:fld>
             <a:endParaRPr lang="ko-KR" altLang="en-US"/>
           </a:p>
@@ -5856,7 +5856,7 @@
           <a:lstStyle/>
           <a:p>
             <a:r>
-              <a:rPr lang="en-US" altLang="ko-KR" dirty="0"/>
+              <a:rPr lang="en-US" altLang="ko-KR"/>
               <a:t>T7_CopySystem</a:t>
             </a:r>
             <a:endParaRPr lang="ko-KR" altLang="en-US" dirty="0"/>

--- a/DsDotNet/src/UnitTest/UnitTest.Model/ImportOfficeExample/ppt/T7_CopySystem.pptx
+++ b/DsDotNet/src/UnitTest/UnitTest.Model/ImportOfficeExample/ppt/T7_CopySystem.pptx
@@ -755,7 +755,7 @@
           <a:effectLst/>
           <a:extLst>
             <a:ext uri="{91240B29-F687-4f45-9708-019B960494DF}">
-              <a14:hiddenLine xmlns="" xmlns:a14="http://schemas.microsoft.com/office/drawing/2010/main" w="9525">
+              <a14:hiddenLine xmlns:a14="http://schemas.microsoft.com/office/drawing/2010/main" xmlns="" w="9525">
                 <a:solidFill>
                   <a:srgbClr val="000000"/>
                 </a:solidFill>
@@ -2277,7 +2277,7 @@
           <a:ln/>
           <a:extLst>
             <a:ext uri="{91240B29-F687-4f45-9708-019B960494DF}">
-              <a14:hiddenLine xmlns="" xmlns:a14="http://schemas.microsoft.com/office/drawing/2010/main" w="9525">
+              <a14:hiddenLine xmlns:a14="http://schemas.microsoft.com/office/drawing/2010/main" xmlns="" w="9525">
                 <a:solidFill>
                   <a:srgbClr val="000000"/>
                 </a:solidFill>
@@ -2552,7 +2552,7 @@
           <a:ln/>
           <a:extLst>
             <a:ext uri="{91240B29-F687-4f45-9708-019B960494DF}">
-              <a14:hiddenLine xmlns="" xmlns:a14="http://schemas.microsoft.com/office/drawing/2010/main" w="9525">
+              <a14:hiddenLine xmlns:a14="http://schemas.microsoft.com/office/drawing/2010/main" xmlns="" w="9525">
                 <a:solidFill>
                   <a:srgbClr val="000000"/>
                 </a:solidFill>
@@ -2953,7 +2953,7 @@
           <a:ln/>
           <a:extLst>
             <a:ext uri="{91240B29-F687-4f45-9708-019B960494DF}">
-              <a14:hiddenLine xmlns="" xmlns:a14="http://schemas.microsoft.com/office/drawing/2010/main" w="9525">
+              <a14:hiddenLine xmlns:a14="http://schemas.microsoft.com/office/drawing/2010/main" xmlns="" w="9525">
                 <a:solidFill>
                   <a:srgbClr val="000000"/>
                 </a:solidFill>
@@ -3579,7 +3579,7 @@
           <a:ln/>
           <a:extLst>
             <a:ext uri="{91240B29-F687-4f45-9708-019B960494DF}">
-              <a14:hiddenLine xmlns="" xmlns:a14="http://schemas.microsoft.com/office/drawing/2010/main" w="9525">
+              <a14:hiddenLine xmlns:a14="http://schemas.microsoft.com/office/drawing/2010/main" xmlns="" w="9525">
                 <a:solidFill>
                   <a:srgbClr val="000000"/>
                 </a:solidFill>
@@ -3918,7 +3918,7 @@
           <a:ln/>
           <a:extLst>
             <a:ext uri="{91240B29-F687-4f45-9708-019B960494DF}">
-              <a14:hiddenLine xmlns="" xmlns:a14="http://schemas.microsoft.com/office/drawing/2010/main" w="9525">
+              <a14:hiddenLine xmlns:a14="http://schemas.microsoft.com/office/drawing/2010/main" xmlns="" w="9525">
                 <a:solidFill>
                   <a:srgbClr val="000000"/>
                 </a:solidFill>
@@ -4603,7 +4603,7 @@
           <a:ln/>
           <a:extLst>
             <a:ext uri="{91240B29-F687-4f45-9708-019B960494DF}">
-              <a14:hiddenLine xmlns="" xmlns:a14="http://schemas.microsoft.com/office/drawing/2010/main" w="9525">
+              <a14:hiddenLine xmlns:a14="http://schemas.microsoft.com/office/drawing/2010/main" xmlns="" w="9525">
                 <a:solidFill>
                   <a:srgbClr val="000000"/>
                 </a:solidFill>
@@ -6087,10 +6087,10 @@
       </p:cxnSp>
       <p:grpSp>
         <p:nvGrpSpPr>
-          <p:cNvPr id="3" name="그룹 2">
+          <p:cNvPr id="4" name="그룹 3">
             <a:extLst>
               <a:ext uri="{FF2B5EF4-FFF2-40B4-BE49-F238E27FC236}">
-                <a16:creationId xmlns:a16="http://schemas.microsoft.com/office/drawing/2014/main" id="{4A8D66DD-1615-4EDD-F4F5-6FDDEAF1DD6A}"/>
+                <a16:creationId xmlns:a16="http://schemas.microsoft.com/office/drawing/2014/main" id="{4C0E8184-68E2-F9A8-DCE0-762AE0D6682F}"/>
               </a:ext>
             </a:extLst>
           </p:cNvPr>

--- a/DsDotNet/src/UnitTest/UnitTest.Model/ImportOfficeExample/ppt/T7_CopySystem.pptx
+++ b/DsDotNet/src/UnitTest/UnitTest.Model/ImportOfficeExample/ppt/T7_CopySystem.pptx
@@ -216,7 +216,7 @@
           <a:p>
             <a:fld id="{DD503887-5801-43A0-AEF9-041E8DDC2558}" type="datetimeFigureOut">
               <a:rPr lang="ko-KR" altLang="en-US" smtClean="0"/>
-              <a:t>2024-03-13</a:t>
+              <a:t>2024-05-27</a:t>
             </a:fld>
             <a:endParaRPr lang="ko-KR" altLang="en-US"/>
           </a:p>
@@ -393,7 +393,7 @@
           <a:p>
             <a:fld id="{95336A0E-57B1-4D4C-BD9B-2F72B5943464}" type="datetimeFigureOut">
               <a:rPr lang="ko-KR" altLang="en-US" smtClean="0"/>
-              <a:t>2024-03-13</a:t>
+              <a:t>2024-05-27</a:t>
             </a:fld>
             <a:endParaRPr lang="ko-KR" altLang="en-US"/>
           </a:p>
@@ -755,7 +755,7 @@
           <a:effectLst/>
           <a:extLst>
             <a:ext uri="{91240B29-F687-4f45-9708-019B960494DF}">
-              <a14:hiddenLine xmlns:a14="http://schemas.microsoft.com/office/drawing/2010/main" xmlns="" w="9525">
+              <a14:hiddenLine xmlns="" xmlns:a14="http://schemas.microsoft.com/office/drawing/2010/main" w="9525">
                 <a:solidFill>
                   <a:srgbClr val="000000"/>
                 </a:solidFill>
@@ -947,7 +947,7 @@
           <a:p>
             <a:fld id="{DEA6EBF0-8E22-42A7-9BEA-2AC7066E6498}" type="datetimeFigureOut">
               <a:rPr lang="ko-KR" altLang="en-US" smtClean="0"/>
-              <a:t>2024-03-13</a:t>
+              <a:t>2024-05-27</a:t>
             </a:fld>
             <a:endParaRPr lang="ko-KR" altLang="en-US"/>
           </a:p>
@@ -1265,7 +1265,7 @@
           <a:p>
             <a:fld id="{DEA6EBF0-8E22-42A7-9BEA-2AC7066E6498}" type="datetimeFigureOut">
               <a:rPr lang="ko-KR" altLang="en-US" smtClean="0"/>
-              <a:t>2024-03-13</a:t>
+              <a:t>2024-05-27</a:t>
             </a:fld>
             <a:endParaRPr lang="ko-KR" altLang="en-US"/>
           </a:p>
@@ -1753,7 +1753,7 @@
           <a:p>
             <a:fld id="{DEA6EBF0-8E22-42A7-9BEA-2AC7066E6498}" type="datetimeFigureOut">
               <a:rPr lang="ko-KR" altLang="en-US" smtClean="0"/>
-              <a:t>2024-03-13</a:t>
+              <a:t>2024-05-27</a:t>
             </a:fld>
             <a:endParaRPr lang="ko-KR" altLang="en-US"/>
           </a:p>
@@ -2122,7 +2122,7 @@
           <a:p>
             <a:fld id="{DEA6EBF0-8E22-42A7-9BEA-2AC7066E6498}" type="datetimeFigureOut">
               <a:rPr lang="ko-KR" altLang="en-US" smtClean="0"/>
-              <a:t>2024-03-13</a:t>
+              <a:t>2024-05-27</a:t>
             </a:fld>
             <a:endParaRPr lang="ko-KR" altLang="en-US"/>
           </a:p>
@@ -2277,7 +2277,7 @@
           <a:ln/>
           <a:extLst>
             <a:ext uri="{91240B29-F687-4f45-9708-019B960494DF}">
-              <a14:hiddenLine xmlns:a14="http://schemas.microsoft.com/office/drawing/2010/main" xmlns="" w="9525">
+              <a14:hiddenLine xmlns="" xmlns:a14="http://schemas.microsoft.com/office/drawing/2010/main" w="9525">
                 <a:solidFill>
                   <a:srgbClr val="000000"/>
                 </a:solidFill>
@@ -2395,7 +2395,7 @@
           <a:p>
             <a:fld id="{DEA6EBF0-8E22-42A7-9BEA-2AC7066E6498}" type="datetimeFigureOut">
               <a:rPr lang="ko-KR" altLang="en-US" smtClean="0"/>
-              <a:t>2024-03-13</a:t>
+              <a:t>2024-05-27</a:t>
             </a:fld>
             <a:endParaRPr lang="ko-KR" altLang="en-US"/>
           </a:p>
@@ -2552,7 +2552,7 @@
           <a:ln/>
           <a:extLst>
             <a:ext uri="{91240B29-F687-4f45-9708-019B960494DF}">
-              <a14:hiddenLine xmlns:a14="http://schemas.microsoft.com/office/drawing/2010/main" xmlns="" w="9525">
+              <a14:hiddenLine xmlns="" xmlns:a14="http://schemas.microsoft.com/office/drawing/2010/main" w="9525">
                 <a:solidFill>
                   <a:srgbClr val="000000"/>
                 </a:solidFill>
@@ -2680,7 +2680,7 @@
           <a:p>
             <a:fld id="{DEA6EBF0-8E22-42A7-9BEA-2AC7066E6498}" type="datetimeFigureOut">
               <a:rPr lang="ko-KR" altLang="en-US" smtClean="0"/>
-              <a:t>2024-03-13</a:t>
+              <a:t>2024-05-27</a:t>
             </a:fld>
             <a:endParaRPr lang="ko-KR" altLang="en-US"/>
           </a:p>
@@ -2798,7 +2798,7 @@
           <a:p>
             <a:fld id="{DEA6EBF0-8E22-42A7-9BEA-2AC7066E6498}" type="datetimeFigureOut">
               <a:rPr lang="ko-KR" altLang="en-US" smtClean="0"/>
-              <a:t>2024-03-13</a:t>
+              <a:t>2024-05-27</a:t>
             </a:fld>
             <a:endParaRPr lang="ko-KR" altLang="en-US"/>
           </a:p>
@@ -2953,7 +2953,7 @@
           <a:ln/>
           <a:extLst>
             <a:ext uri="{91240B29-F687-4f45-9708-019B960494DF}">
-              <a14:hiddenLine xmlns:a14="http://schemas.microsoft.com/office/drawing/2010/main" xmlns="" w="9525">
+              <a14:hiddenLine xmlns="" xmlns:a14="http://schemas.microsoft.com/office/drawing/2010/main" w="9525">
                 <a:solidFill>
                   <a:srgbClr val="000000"/>
                 </a:solidFill>
@@ -3081,7 +3081,7 @@
           <a:p>
             <a:fld id="{DEA6EBF0-8E22-42A7-9BEA-2AC7066E6498}" type="datetimeFigureOut">
               <a:rPr lang="ko-KR" altLang="en-US" smtClean="0"/>
-              <a:t>2024-03-13</a:t>
+              <a:t>2024-05-27</a:t>
             </a:fld>
             <a:endParaRPr lang="ko-KR" altLang="en-US"/>
           </a:p>
@@ -3424,7 +3424,7 @@
           <a:p>
             <a:fld id="{DEA6EBF0-8E22-42A7-9BEA-2AC7066E6498}" type="datetimeFigureOut">
               <a:rPr lang="ko-KR" altLang="en-US" smtClean="0"/>
-              <a:t>2024-03-13</a:t>
+              <a:t>2024-05-27</a:t>
             </a:fld>
             <a:endParaRPr lang="ko-KR" altLang="en-US"/>
           </a:p>
@@ -3579,7 +3579,7 @@
           <a:ln/>
           <a:extLst>
             <a:ext uri="{91240B29-F687-4f45-9708-019B960494DF}">
-              <a14:hiddenLine xmlns:a14="http://schemas.microsoft.com/office/drawing/2010/main" xmlns="" w="9525">
+              <a14:hiddenLine xmlns="" xmlns:a14="http://schemas.microsoft.com/office/drawing/2010/main" w="9525">
                 <a:solidFill>
                   <a:srgbClr val="000000"/>
                 </a:solidFill>
@@ -3763,7 +3763,7 @@
           <a:p>
             <a:fld id="{DEA6EBF0-8E22-42A7-9BEA-2AC7066E6498}" type="datetimeFigureOut">
               <a:rPr lang="ko-KR" altLang="en-US" smtClean="0"/>
-              <a:t>2024-03-13</a:t>
+              <a:t>2024-05-27</a:t>
             </a:fld>
             <a:endParaRPr lang="ko-KR" altLang="en-US"/>
           </a:p>
@@ -3918,7 +3918,7 @@
           <a:ln/>
           <a:extLst>
             <a:ext uri="{91240B29-F687-4f45-9708-019B960494DF}">
-              <a14:hiddenLine xmlns:a14="http://schemas.microsoft.com/office/drawing/2010/main" xmlns="" w="9525">
+              <a14:hiddenLine xmlns="" xmlns:a14="http://schemas.microsoft.com/office/drawing/2010/main" w="9525">
                 <a:solidFill>
                   <a:srgbClr val="000000"/>
                 </a:solidFill>
@@ -4240,7 +4240,7 @@
           <a:p>
             <a:fld id="{DEA6EBF0-8E22-42A7-9BEA-2AC7066E6498}" type="datetimeFigureOut">
               <a:rPr lang="ko-KR" altLang="en-US" smtClean="0"/>
-              <a:t>2024-03-13</a:t>
+              <a:t>2024-05-27</a:t>
             </a:fld>
             <a:endParaRPr lang="ko-KR" altLang="en-US"/>
           </a:p>
@@ -4335,7 +4335,7 @@
           <a:p>
             <a:fld id="{DEA6EBF0-8E22-42A7-9BEA-2AC7066E6498}" type="datetimeFigureOut">
               <a:rPr lang="ko-KR" altLang="en-US" smtClean="0"/>
-              <a:t>2024-03-13</a:t>
+              <a:t>2024-05-27</a:t>
             </a:fld>
             <a:endParaRPr lang="ko-KR" altLang="en-US"/>
           </a:p>
@@ -4603,7 +4603,7 @@
           <a:ln/>
           <a:extLst>
             <a:ext uri="{91240B29-F687-4f45-9708-019B960494DF}">
-              <a14:hiddenLine xmlns:a14="http://schemas.microsoft.com/office/drawing/2010/main" xmlns="" w="9525">
+              <a14:hiddenLine xmlns="" xmlns:a14="http://schemas.microsoft.com/office/drawing/2010/main" w="9525">
                 <a:solidFill>
                   <a:srgbClr val="000000"/>
                 </a:solidFill>
@@ -4802,7 +4802,7 @@
           <a:p>
             <a:fld id="{DEA6EBF0-8E22-42A7-9BEA-2AC7066E6498}" type="datetimeFigureOut">
               <a:rPr lang="ko-KR" altLang="en-US" smtClean="0"/>
-              <a:t>2024-03-13</a:t>
+              <a:t>2024-05-27</a:t>
             </a:fld>
             <a:endParaRPr lang="ko-KR" altLang="en-US"/>
           </a:p>
@@ -5115,7 +5115,7 @@
           <a:p>
             <a:fld id="{DEA6EBF0-8E22-42A7-9BEA-2AC7066E6498}" type="datetimeFigureOut">
               <a:rPr lang="ko-KR" altLang="en-US" smtClean="0"/>
-              <a:t>2024-03-13</a:t>
+              <a:t>2024-05-27</a:t>
             </a:fld>
             <a:endParaRPr lang="ko-KR" altLang="en-US"/>
           </a:p>
@@ -5385,7 +5385,7 @@
           <a:p>
             <a:fld id="{DEA6EBF0-8E22-42A7-9BEA-2AC7066E6498}" type="datetimeFigureOut">
               <a:rPr lang="ko-KR" altLang="en-US" smtClean="0"/>
-              <a:t>2024-03-13</a:t>
+              <a:t>2024-05-27</a:t>
             </a:fld>
             <a:endParaRPr lang="ko-KR" altLang="en-US"/>
           </a:p>
@@ -6283,7 +6283,7 @@
               </a:r>
               <a:r>
                 <a:rPr lang="en-US" altLang="ko-KR"/>
-                <a:t>[5]</a:t>
+                <a:t>[4]</a:t>
               </a:r>
               <a:endParaRPr lang="ko-KR" altLang="en-US" dirty="0"/>
             </a:p>

--- a/DsDotNet/src/UnitTest/UnitTest.Model/ImportOfficeExample/ppt/T7_CopySystem.pptx
+++ b/DsDotNet/src/UnitTest/UnitTest.Model/ImportOfficeExample/ppt/T7_CopySystem.pptx
@@ -216,7 +216,7 @@
           <a:p>
             <a:fld id="{DD503887-5801-43A0-AEF9-041E8DDC2558}" type="datetimeFigureOut">
               <a:rPr lang="ko-KR" altLang="en-US" smtClean="0"/>
-              <a:t>2024-05-27</a:t>
+              <a:t>2024-10-15</a:t>
             </a:fld>
             <a:endParaRPr lang="ko-KR" altLang="en-US"/>
           </a:p>
@@ -393,7 +393,7 @@
           <a:p>
             <a:fld id="{95336A0E-57B1-4D4C-BD9B-2F72B5943464}" type="datetimeFigureOut">
               <a:rPr lang="ko-KR" altLang="en-US" smtClean="0"/>
-              <a:t>2024-05-27</a:t>
+              <a:t>2024-10-15</a:t>
             </a:fld>
             <a:endParaRPr lang="ko-KR" altLang="en-US"/>
           </a:p>
@@ -755,7 +755,7 @@
           <a:effectLst/>
           <a:extLst>
             <a:ext uri="{91240B29-F687-4f45-9708-019B960494DF}">
-              <a14:hiddenLine xmlns="" xmlns:a14="http://schemas.microsoft.com/office/drawing/2010/main" w="9525">
+              <a14:hiddenLine xmlns:a14="http://schemas.microsoft.com/office/drawing/2010/main" xmlns="" w="9525">
                 <a:solidFill>
                   <a:srgbClr val="000000"/>
                 </a:solidFill>
@@ -947,7 +947,7 @@
           <a:p>
             <a:fld id="{DEA6EBF0-8E22-42A7-9BEA-2AC7066E6498}" type="datetimeFigureOut">
               <a:rPr lang="ko-KR" altLang="en-US" smtClean="0"/>
-              <a:t>2024-05-27</a:t>
+              <a:t>2024-10-15</a:t>
             </a:fld>
             <a:endParaRPr lang="ko-KR" altLang="en-US"/>
           </a:p>
@@ -1265,7 +1265,7 @@
           <a:p>
             <a:fld id="{DEA6EBF0-8E22-42A7-9BEA-2AC7066E6498}" type="datetimeFigureOut">
               <a:rPr lang="ko-KR" altLang="en-US" smtClean="0"/>
-              <a:t>2024-05-27</a:t>
+              <a:t>2024-10-15</a:t>
             </a:fld>
             <a:endParaRPr lang="ko-KR" altLang="en-US"/>
           </a:p>
@@ -1753,7 +1753,7 @@
           <a:p>
             <a:fld id="{DEA6EBF0-8E22-42A7-9BEA-2AC7066E6498}" type="datetimeFigureOut">
               <a:rPr lang="ko-KR" altLang="en-US" smtClean="0"/>
-              <a:t>2024-05-27</a:t>
+              <a:t>2024-10-15</a:t>
             </a:fld>
             <a:endParaRPr lang="ko-KR" altLang="en-US"/>
           </a:p>
@@ -2122,7 +2122,7 @@
           <a:p>
             <a:fld id="{DEA6EBF0-8E22-42A7-9BEA-2AC7066E6498}" type="datetimeFigureOut">
               <a:rPr lang="ko-KR" altLang="en-US" smtClean="0"/>
-              <a:t>2024-05-27</a:t>
+              <a:t>2024-10-15</a:t>
             </a:fld>
             <a:endParaRPr lang="ko-KR" altLang="en-US"/>
           </a:p>
@@ -2277,7 +2277,7 @@
           <a:ln/>
           <a:extLst>
             <a:ext uri="{91240B29-F687-4f45-9708-019B960494DF}">
-              <a14:hiddenLine xmlns="" xmlns:a14="http://schemas.microsoft.com/office/drawing/2010/main" w="9525">
+              <a14:hiddenLine xmlns:a14="http://schemas.microsoft.com/office/drawing/2010/main" xmlns="" w="9525">
                 <a:solidFill>
                   <a:srgbClr val="000000"/>
                 </a:solidFill>
@@ -2395,7 +2395,7 @@
           <a:p>
             <a:fld id="{DEA6EBF0-8E22-42A7-9BEA-2AC7066E6498}" type="datetimeFigureOut">
               <a:rPr lang="ko-KR" altLang="en-US" smtClean="0"/>
-              <a:t>2024-05-27</a:t>
+              <a:t>2024-10-15</a:t>
             </a:fld>
             <a:endParaRPr lang="ko-KR" altLang="en-US"/>
           </a:p>
@@ -2552,7 +2552,7 @@
           <a:ln/>
           <a:extLst>
             <a:ext uri="{91240B29-F687-4f45-9708-019B960494DF}">
-              <a14:hiddenLine xmlns="" xmlns:a14="http://schemas.microsoft.com/office/drawing/2010/main" w="9525">
+              <a14:hiddenLine xmlns:a14="http://schemas.microsoft.com/office/drawing/2010/main" xmlns="" w="9525">
                 <a:solidFill>
                   <a:srgbClr val="000000"/>
                 </a:solidFill>
@@ -2680,7 +2680,7 @@
           <a:p>
             <a:fld id="{DEA6EBF0-8E22-42A7-9BEA-2AC7066E6498}" type="datetimeFigureOut">
               <a:rPr lang="ko-KR" altLang="en-US" smtClean="0"/>
-              <a:t>2024-05-27</a:t>
+              <a:t>2024-10-15</a:t>
             </a:fld>
             <a:endParaRPr lang="ko-KR" altLang="en-US"/>
           </a:p>
@@ -2798,7 +2798,7 @@
           <a:p>
             <a:fld id="{DEA6EBF0-8E22-42A7-9BEA-2AC7066E6498}" type="datetimeFigureOut">
               <a:rPr lang="ko-KR" altLang="en-US" smtClean="0"/>
-              <a:t>2024-05-27</a:t>
+              <a:t>2024-10-15</a:t>
             </a:fld>
             <a:endParaRPr lang="ko-KR" altLang="en-US"/>
           </a:p>
@@ -2953,7 +2953,7 @@
           <a:ln/>
           <a:extLst>
             <a:ext uri="{91240B29-F687-4f45-9708-019B960494DF}">
-              <a14:hiddenLine xmlns="" xmlns:a14="http://schemas.microsoft.com/office/drawing/2010/main" w="9525">
+              <a14:hiddenLine xmlns:a14="http://schemas.microsoft.com/office/drawing/2010/main" xmlns="" w="9525">
                 <a:solidFill>
                   <a:srgbClr val="000000"/>
                 </a:solidFill>
@@ -3081,7 +3081,7 @@
           <a:p>
             <a:fld id="{DEA6EBF0-8E22-42A7-9BEA-2AC7066E6498}" type="datetimeFigureOut">
               <a:rPr lang="ko-KR" altLang="en-US" smtClean="0"/>
-              <a:t>2024-05-27</a:t>
+              <a:t>2024-10-15</a:t>
             </a:fld>
             <a:endParaRPr lang="ko-KR" altLang="en-US"/>
           </a:p>
@@ -3424,7 +3424,7 @@
           <a:p>
             <a:fld id="{DEA6EBF0-8E22-42A7-9BEA-2AC7066E6498}" type="datetimeFigureOut">
               <a:rPr lang="ko-KR" altLang="en-US" smtClean="0"/>
-              <a:t>2024-05-27</a:t>
+              <a:t>2024-10-15</a:t>
             </a:fld>
             <a:endParaRPr lang="ko-KR" altLang="en-US"/>
           </a:p>
@@ -3579,7 +3579,7 @@
           <a:ln/>
           <a:extLst>
             <a:ext uri="{91240B29-F687-4f45-9708-019B960494DF}">
-              <a14:hiddenLine xmlns="" xmlns:a14="http://schemas.microsoft.com/office/drawing/2010/main" w="9525">
+              <a14:hiddenLine xmlns:a14="http://schemas.microsoft.com/office/drawing/2010/main" xmlns="" w="9525">
                 <a:solidFill>
                   <a:srgbClr val="000000"/>
                 </a:solidFill>
@@ -3763,7 +3763,7 @@
           <a:p>
             <a:fld id="{DEA6EBF0-8E22-42A7-9BEA-2AC7066E6498}" type="datetimeFigureOut">
               <a:rPr lang="ko-KR" altLang="en-US" smtClean="0"/>
-              <a:t>2024-05-27</a:t>
+              <a:t>2024-10-15</a:t>
             </a:fld>
             <a:endParaRPr lang="ko-KR" altLang="en-US"/>
           </a:p>
@@ -3918,7 +3918,7 @@
           <a:ln/>
           <a:extLst>
             <a:ext uri="{91240B29-F687-4f45-9708-019B960494DF}">
-              <a14:hiddenLine xmlns="" xmlns:a14="http://schemas.microsoft.com/office/drawing/2010/main" w="9525">
+              <a14:hiddenLine xmlns:a14="http://schemas.microsoft.com/office/drawing/2010/main" xmlns="" w="9525">
                 <a:solidFill>
                   <a:srgbClr val="000000"/>
                 </a:solidFill>
@@ -4240,7 +4240,7 @@
           <a:p>
             <a:fld id="{DEA6EBF0-8E22-42A7-9BEA-2AC7066E6498}" type="datetimeFigureOut">
               <a:rPr lang="ko-KR" altLang="en-US" smtClean="0"/>
-              <a:t>2024-05-27</a:t>
+              <a:t>2024-10-15</a:t>
             </a:fld>
             <a:endParaRPr lang="ko-KR" altLang="en-US"/>
           </a:p>
@@ -4335,7 +4335,7 @@
           <a:p>
             <a:fld id="{DEA6EBF0-8E22-42A7-9BEA-2AC7066E6498}" type="datetimeFigureOut">
               <a:rPr lang="ko-KR" altLang="en-US" smtClean="0"/>
-              <a:t>2024-05-27</a:t>
+              <a:t>2024-10-15</a:t>
             </a:fld>
             <a:endParaRPr lang="ko-KR" altLang="en-US"/>
           </a:p>
@@ -4603,7 +4603,7 @@
           <a:ln/>
           <a:extLst>
             <a:ext uri="{91240B29-F687-4f45-9708-019B960494DF}">
-              <a14:hiddenLine xmlns="" xmlns:a14="http://schemas.microsoft.com/office/drawing/2010/main" w="9525">
+              <a14:hiddenLine xmlns:a14="http://schemas.microsoft.com/office/drawing/2010/main" xmlns="" w="9525">
                 <a:solidFill>
                   <a:srgbClr val="000000"/>
                 </a:solidFill>
@@ -4802,7 +4802,7 @@
           <a:p>
             <a:fld id="{DEA6EBF0-8E22-42A7-9BEA-2AC7066E6498}" type="datetimeFigureOut">
               <a:rPr lang="ko-KR" altLang="en-US" smtClean="0"/>
-              <a:t>2024-05-27</a:t>
+              <a:t>2024-10-15</a:t>
             </a:fld>
             <a:endParaRPr lang="ko-KR" altLang="en-US"/>
           </a:p>
@@ -5115,7 +5115,7 @@
           <a:p>
             <a:fld id="{DEA6EBF0-8E22-42A7-9BEA-2AC7066E6498}" type="datetimeFigureOut">
               <a:rPr lang="ko-KR" altLang="en-US" smtClean="0"/>
-              <a:t>2024-05-27</a:t>
+              <a:t>2024-10-15</a:t>
             </a:fld>
             <a:endParaRPr lang="ko-KR" altLang="en-US"/>
           </a:p>
@@ -5385,7 +5385,7 @@
           <a:p>
             <a:fld id="{DEA6EBF0-8E22-42A7-9BEA-2AC7066E6498}" type="datetimeFigureOut">
               <a:rPr lang="ko-KR" altLang="en-US" smtClean="0"/>
-              <a:t>2024-05-27</a:t>
+              <a:t>2024-10-15</a:t>
             </a:fld>
             <a:endParaRPr lang="ko-KR" altLang="en-US"/>
           </a:p>
@@ -6087,10 +6087,10 @@
       </p:cxnSp>
       <p:grpSp>
         <p:nvGrpSpPr>
-          <p:cNvPr id="4" name="그룹 3">
+          <p:cNvPr id="8" name="그룹 7">
             <a:extLst>
               <a:ext uri="{FF2B5EF4-FFF2-40B4-BE49-F238E27FC236}">
-                <a16:creationId xmlns:a16="http://schemas.microsoft.com/office/drawing/2014/main" id="{4C0E8184-68E2-F9A8-DCE0-762AE0D6682F}"/>
+                <a16:creationId xmlns:a16="http://schemas.microsoft.com/office/drawing/2014/main" id="{B63AE5F1-B79C-DFF9-F19F-B1F86A905412}"/>
               </a:ext>
             </a:extLst>
           </p:cNvPr>
@@ -6219,11 +6219,11 @@
               <a:pPr algn="ctr"/>
               <a:r>
                 <a:rPr lang="en-US" altLang="ko-KR" dirty="0" err="1"/>
-                <a:t>SystemA.ADV</a:t>
+                <a:t>SystemA</a:t>
               </a:r>
               <a:r>
                 <a:rPr lang="en-US" altLang="ko-KR" dirty="0"/>
-                <a:t>[4]</a:t>
+                <a:t> [4].ADV</a:t>
               </a:r>
               <a:endParaRPr lang="ko-KR" altLang="en-US" dirty="0"/>
             </a:p>
@@ -6279,11 +6279,11 @@
               <a:pPr algn="ctr"/>
               <a:r>
                 <a:rPr lang="en-US" altLang="ko-KR" dirty="0" err="1"/>
-                <a:t>SystemA.RET</a:t>
+                <a:t>SystemA</a:t>
               </a:r>
               <a:r>
-                <a:rPr lang="en-US" altLang="ko-KR"/>
-                <a:t>[4]</a:t>
+                <a:rPr lang="en-US" altLang="ko-KR" dirty="0"/>
+                <a:t> [4].RET</a:t>
               </a:r>
               <a:endParaRPr lang="ko-KR" altLang="en-US" dirty="0"/>
             </a:p>
